--- a/name1.pptx
+++ b/name1.pptx
@@ -24,6 +24,23 @@
     <p:sldId id="272" r:id="rId22"/>
     <p:sldId id="273" r:id="rId23"/>
     <p:sldId id="274" r:id="rId24"/>
+    <p:sldId id="275" r:id="rId25"/>
+    <p:sldId id="276" r:id="rId26"/>
+    <p:sldId id="277" r:id="rId27"/>
+    <p:sldId id="278" r:id="rId28"/>
+    <p:sldId id="279" r:id="rId29"/>
+    <p:sldId id="280" r:id="rId30"/>
+    <p:sldId id="281" r:id="rId31"/>
+    <p:sldId id="282" r:id="rId32"/>
+    <p:sldId id="283" r:id="rId33"/>
+    <p:sldId id="284" r:id="rId34"/>
+    <p:sldId id="285" r:id="rId35"/>
+    <p:sldId id="286" r:id="rId36"/>
+    <p:sldId id="287" r:id="rId37"/>
+    <p:sldId id="288" r:id="rId38"/>
+    <p:sldId id="289" r:id="rId39"/>
+    <p:sldId id="290" r:id="rId40"/>
+    <p:sldId id="291" r:id="rId41"/>
   </p:sldIdLst>
   <p:sldSz cx="9144000" cy="6858000" type="screen4x3"/>
   <p:notesSz cx="6858000" cy="9144000"/>
@@ -5145,7 +5162,7 @@
           <a:lstStyle/>
           <a:p>
             <a:r>
-              <a:t>Harvard Business Review argued that Microsoft was intending to acquire GitHub to get access to its userbase, so it can be used as a loss leader to encourage use of its other development products and services.</a:t>
+              <a:t>During World War II, sugar rations diminished candy production, and Americans compensated by eating three times as much popcorn as they had before.</a:t>
             </a:r>
           </a:p>
         </p:txBody>
@@ -5205,7 +5222,7 @@
           <a:lstStyle/>
           <a:p>
             <a:r>
-              <a:t>Concerns over the sale bolstered interest in competitors: Bitbucket (owned by Atlassian), GitLab (a commercial open source product that also runs a hosted service version) and SourceForge (owned by BIZX, LLC) reported that they had seen spikes in new users intending to migrate projects from GitHub to their respective services.</a:t>
+              <a:t>In 1981, General Mills received the first patent for a microwave popcorn bag, with popcorn consumption seeing a sharp increase by tens of thousands of pounds in the years following.</a:t>
             </a:r>
           </a:p>
         </p:txBody>
@@ -5265,7 +5282,7 @@
           <a:lstStyle/>
           <a:p>
             <a:r>
-              <a:t>Later, GitHub hired illustrator Cameron McEfee to adapt Octocat for different purposes on the website and promotional materials; McEfee and various GitHub users have since created hundreds of variations of the character, which are available on The Octodex.</a:t>
+              <a:t>At least six localities (all in the Midwestern United States) claim to be the "Popcorn Capital of the World;": Ridgway, Illinois; Valparaiso, Indiana; Van Buren, Indiana; Schaller, Iowa; Marion, Ohio;  and North Loup, Nebraska.</a:t>
             </a:r>
           </a:p>
         </p:txBody>
@@ -5325,7 +5342,7 @@
           <a:lstStyle/>
           <a:p>
             <a:r>
-              <a:t>In March 2014, GitHub programmer Julie Ann Horvath alleged that founder and CEO Tom Preston-Werner and his wife Theresa engaged in a pattern of harassment against her that led to her leaving the company.</a:t>
+              <a:t>According to the USDA, corn used for popcorn production is specifically planted for this purpose; most is grown in Nebraska and Indiana, with increasing area in Texas.</a:t>
             </a:r>
           </a:p>
         </p:txBody>
@@ -5385,7 +5402,7 @@
           <a:lstStyle/>
           <a:p>
             <a:r>
-              <a:t>GitHub's CEO Chris Wanstrath wrote on the company blog, "The investigation found Tom Preston-Werner in his capacity as GitHub's CEO acted inappropriately, including confrontational conduct, disregard of workplace complaints, insensitivity to the impact of his spouse's presence in the workplace, and failure to enforce an agreement that his spouse should not work in the office."</a:t>
+              <a:t>Unlike most other grains, the outer hull of the popcorn kernel is both strong and impervious to moisture and the starch inside consists almost entirely of a hard type.</a:t>
             </a:r>
           </a:p>
         </p:txBody>
@@ -5445,7 +5462,7 @@
           <a:lstStyle/>
           <a:p>
             <a:r>
-              <a:t>The site provides social networking-like functions such as feeds, followers, wikis (using wiki software called Gollum) and a social network graph to display how developers work on their versions ("forks") of a repository and what fork (and branch within that fork) is newest.</a:t>
+              <a:t>A different method of popcorn-making is be seen on the streets of some Chinese cities and Korea today.</a:t>
             </a:r>
           </a:p>
         </p:txBody>
@@ -5505,7 +5522,7 @@
           <a:lstStyle/>
           <a:p>
             <a:r>
-              <a:t>The additional software that provides the GitHub user interface was written using Ruby on Rails and Erlang by GitHub, Inc. developers Wanstrath, Hyett, and Preston-Werner.</a:t>
+              <a:t>The un-popped corn kernels are poured into a large cast-iron canister — sometimes called a 'popcorn hammer'— that is then sealed with a heavy lid and slowly turned over a fire in rotisserie fashion.</a:t>
             </a:r>
           </a:p>
         </p:txBody>
@@ -5565,11 +5582,7 @@
           <a:lstStyle/>
           <a:p>
             <a:r>
-              <a:t>In addition to source code, GitHub supports the following formats and features:</a:t>
-            </a:r>
-            <a:br/>
-            <a:r>
-              <a:t>GitHub's Terms of Service do not require public software projects hosted on GitHub to meet the Open Source Definition.</a:t>
+              <a:t>With a huge boom, all of the popcorn explodes  and is poured into the sack.</a:t>
             </a:r>
           </a:p>
         </p:txBody>
@@ -5629,7 +5642,7 @@
           <a:lstStyle/>
           <a:p>
             <a:r>
-              <a:t>For that reason, it is essential for users and developers intending to use a piece of software found on GitHub to read the software license in the repository (usually found in a top-level file called "LICENSE", "LICENSE.txt", or similar) to determine if it meets their needs.</a:t>
+              <a:t>If heated too quickly, the steam in the outer layers of the kernel can reach high pressures and rupture the hull before the starch in the center of the kernel can fully gelatinize, leading to partially popped kernels with hard centers.</a:t>
             </a:r>
           </a:p>
         </p:txBody>
@@ -5689,7 +5702,7 @@
           <a:lstStyle/>
           <a:p>
             <a:r>
-              <a:t>GitHub Campus Experts are one of the primary ways that GitHub funds student oriented events and communities, Campus Experts are given access to training, funding, and additional resources to run events and grow their communities.</a:t>
+              <a:t>Heating too slowly leads to entirely unpopped kernels: the tip of the kernel, where it attached to the cob, is not entirely moisture-proof, and when heated slowly, the steam can leak out of the tip fast enough to keep the pressure from rising sufficiently to break the hull and cause the pop.</a:t>
             </a:r>
           </a:p>
         </p:txBody>
@@ -5728,6 +5741,90 @@
           <a:lstStyle/>
           <a:p>
             <a:r>
+              <a:t> </a:t>
+            </a:r>
+          </a:p>
+        </p:txBody>
+      </p:sp>
+      <p:sp>
+        <p:nvSpPr>
+          <p:cNvPr id="3" name="Subtitle 2"/>
+          <p:cNvSpPr>
+            <a:spLocks noGrp="1"/>
+          </p:cNvSpPr>
+          <p:nvPr>
+            <p:ph type="subTitle" idx="1"/>
+          </p:nvPr>
+        </p:nvSpPr>
+        <p:spPr/>
+        <p:txBody>
+          <a:bodyPr/>
+          <a:lstStyle/>
+          <a:p>
+            <a:r>
+              <a:t> </a:t>
+            </a:r>
+          </a:p>
+        </p:txBody>
+      </p:sp>
+      <p:pic>
+        <p:nvPicPr>
+          <p:cNvPr id="4" name="Picture 3" descr="image.jpg"/>
+          <p:cNvPicPr>
+            <a:picLocks noChangeAspect="1"/>
+          </p:cNvPicPr>
+          <p:nvPr/>
+        </p:nvPicPr>
+        <p:blipFill>
+          <a:blip r:embed="rId2"/>
+          <a:stretch>
+            <a:fillRect/>
+          </a:stretch>
+        </p:blipFill>
+        <p:spPr>
+          <a:xfrm>
+            <a:off x="914400" y="1828800"/>
+            <a:ext cx="5208608" cy="3657600"/>
+          </a:xfrm>
+          <a:prstGeom prst="rect">
+            <a:avLst/>
+          </a:prstGeom>
+        </p:spPr>
+      </p:pic>
+    </p:spTree>
+  </p:cSld>
+  <p:clrMapOvr>
+    <a:masterClrMapping/>
+  </p:clrMapOvr>
+</p:sld>
+</file>
+
+<file path=ppt/slides/slide20.xml><?xml version="1.0" encoding="utf-8"?>
+<p:sld xmlns:a="http://schemas.openxmlformats.org/drawingml/2006/main" xmlns:p="http://schemas.openxmlformats.org/presentationml/2006/main" xmlns:r="http://schemas.openxmlformats.org/officeDocument/2006/relationships">
+  <p:cSld>
+    <p:spTree>
+      <p:nvGrpSpPr>
+        <p:cNvPr id="1" name=""/>
+        <p:cNvGrpSpPr/>
+        <p:nvPr/>
+      </p:nvGrpSpPr>
+      <p:grpSpPr/>
+      <p:sp>
+        <p:nvSpPr>
+          <p:cNvPr id="2" name="Title 1"/>
+          <p:cNvSpPr>
+            <a:spLocks noGrp="1"/>
+          </p:cNvSpPr>
+          <p:nvPr>
+            <p:ph type="ctrTitle"/>
+          </p:nvPr>
+        </p:nvSpPr>
+        <p:spPr/>
+        <p:txBody>
+          <a:bodyPr/>
+          <a:lstStyle/>
+          <a:p>
+            <a:r>
               <a:t>explain!</a:t>
             </a:r>
           </a:p>
@@ -5749,7 +5846,547 @@
           <a:lstStyle/>
           <a:p>
             <a:r>
-              <a:t>As of June 2018, GitHub reports having over 28 million users and 57 million repositories (including 28 million public repositories), making it the largest host of source code in the world.</a:t>
+              <a:t>Producers and sellers of popcorn consider two major factors in evaluating the quality of popcorn: what percentage of the kernels will pop, and how much each popped kernel expands.</a:t>
+            </a:r>
+          </a:p>
+        </p:txBody>
+      </p:sp>
+    </p:spTree>
+  </p:cSld>
+  <p:clrMapOvr>
+    <a:masterClrMapping/>
+  </p:clrMapOvr>
+</p:sld>
+</file>
+
+<file path=ppt/slides/slide21.xml><?xml version="1.0" encoding="utf-8"?>
+<p:sld xmlns:a="http://schemas.openxmlformats.org/drawingml/2006/main" xmlns:p="http://schemas.openxmlformats.org/presentationml/2006/main" xmlns:r="http://schemas.openxmlformats.org/officeDocument/2006/relationships">
+  <p:cSld>
+    <p:spTree>
+      <p:nvGrpSpPr>
+        <p:cNvPr id="1" name=""/>
+        <p:cNvGrpSpPr/>
+        <p:nvPr/>
+      </p:nvGrpSpPr>
+      <p:grpSpPr/>
+      <p:sp>
+        <p:nvSpPr>
+          <p:cNvPr id="2" name="Title 1"/>
+          <p:cNvSpPr>
+            <a:spLocks noGrp="1"/>
+          </p:cNvSpPr>
+          <p:nvPr>
+            <p:ph type="ctrTitle"/>
+          </p:nvPr>
+        </p:nvSpPr>
+        <p:spPr/>
+        <p:txBody>
+          <a:bodyPr/>
+          <a:lstStyle/>
+          <a:p>
+            <a:r>
+              <a:t>explain!</a:t>
+            </a:r>
+          </a:p>
+        </p:txBody>
+      </p:sp>
+      <p:sp>
+        <p:nvSpPr>
+          <p:cNvPr id="3" name="Subtitle 2"/>
+          <p:cNvSpPr>
+            <a:spLocks noGrp="1"/>
+          </p:cNvSpPr>
+          <p:nvPr>
+            <p:ph type="subTitle" idx="1"/>
+          </p:nvPr>
+        </p:nvSpPr>
+        <p:spPr/>
+        <p:txBody>
+          <a:bodyPr/>
+          <a:lstStyle/>
+          <a:p>
+            <a:r>
+              <a:t>For the consumer, larger pieces of popcorn tend to be more tender and are associated with higher quality.</a:t>
+            </a:r>
+          </a:p>
+        </p:txBody>
+      </p:sp>
+    </p:spTree>
+  </p:cSld>
+  <p:clrMapOvr>
+    <a:masterClrMapping/>
+  </p:clrMapOvr>
+</p:sld>
+</file>
+
+<file path=ppt/slides/slide22.xml><?xml version="1.0" encoding="utf-8"?>
+<p:sld xmlns:a="http://schemas.openxmlformats.org/drawingml/2006/main" xmlns:p="http://schemas.openxmlformats.org/presentationml/2006/main" xmlns:r="http://schemas.openxmlformats.org/officeDocument/2006/relationships">
+  <p:cSld>
+    <p:spTree>
+      <p:nvGrpSpPr>
+        <p:cNvPr id="1" name=""/>
+        <p:cNvGrpSpPr/>
+        <p:nvPr/>
+      </p:nvGrpSpPr>
+      <p:grpSpPr/>
+      <p:sp>
+        <p:nvSpPr>
+          <p:cNvPr id="2" name="Title 1"/>
+          <p:cNvSpPr>
+            <a:spLocks noGrp="1"/>
+          </p:cNvSpPr>
+          <p:nvPr>
+            <p:ph type="ctrTitle"/>
+          </p:nvPr>
+        </p:nvSpPr>
+        <p:spPr/>
+        <p:txBody>
+          <a:bodyPr/>
+          <a:lstStyle/>
+          <a:p>
+            <a:r>
+              <a:t>explain!</a:t>
+            </a:r>
+          </a:p>
+        </p:txBody>
+      </p:sp>
+      <p:sp>
+        <p:nvSpPr>
+          <p:cNvPr id="3" name="Subtitle 2"/>
+          <p:cNvSpPr>
+            <a:spLocks noGrp="1"/>
+          </p:cNvSpPr>
+          <p:nvPr>
+            <p:ph type="subTitle" idx="1"/>
+          </p:nvPr>
+        </p:nvSpPr>
+        <p:spPr/>
+        <p:txBody>
+          <a:bodyPr/>
+          <a:lstStyle/>
+          <a:p>
+            <a:r>
+              <a:t>For the grower, distributor and vendor, expansion is closely correlated with profit: vendors such as theaters buy popcorn by weight and sell it by volume.</a:t>
+            </a:r>
+          </a:p>
+        </p:txBody>
+      </p:sp>
+    </p:spTree>
+  </p:cSld>
+  <p:clrMapOvr>
+    <a:masterClrMapping/>
+  </p:clrMapOvr>
+</p:sld>
+</file>
+
+<file path=ppt/slides/slide23.xml><?xml version="1.0" encoding="utf-8"?>
+<p:sld xmlns:a="http://schemas.openxmlformats.org/drawingml/2006/main" xmlns:p="http://schemas.openxmlformats.org/presentationml/2006/main" xmlns:r="http://schemas.openxmlformats.org/officeDocument/2006/relationships">
+  <p:cSld>
+    <p:spTree>
+      <p:nvGrpSpPr>
+        <p:cNvPr id="1" name=""/>
+        <p:cNvGrpSpPr/>
+        <p:nvPr/>
+      </p:nvGrpSpPr>
+      <p:grpSpPr/>
+      <p:sp>
+        <p:nvSpPr>
+          <p:cNvPr id="2" name="Title 1"/>
+          <p:cNvSpPr>
+            <a:spLocks noGrp="1"/>
+          </p:cNvSpPr>
+          <p:nvPr>
+            <p:ph type="ctrTitle"/>
+          </p:nvPr>
+        </p:nvSpPr>
+        <p:spPr/>
+        <p:txBody>
+          <a:bodyPr/>
+          <a:lstStyle/>
+          <a:p>
+            <a:r>
+              <a:t>explain!</a:t>
+            </a:r>
+          </a:p>
+        </p:txBody>
+      </p:sp>
+      <p:sp>
+        <p:nvSpPr>
+          <p:cNvPr id="3" name="Subtitle 2"/>
+          <p:cNvSpPr>
+            <a:spLocks noGrp="1"/>
+          </p:cNvSpPr>
+          <p:nvPr>
+            <p:ph type="subTitle" idx="1"/>
+          </p:nvPr>
+        </p:nvSpPr>
+        <p:spPr/>
+        <p:txBody>
+          <a:bodyPr/>
+          <a:lstStyle/>
+          <a:p>
+            <a:r>
+              <a:t>For these reasons, popcorn growers and distributors dry the kernels until they reach the moisture level at which they expand the most.</a:t>
+            </a:r>
+          </a:p>
+        </p:txBody>
+      </p:sp>
+    </p:spTree>
+  </p:cSld>
+  <p:clrMapOvr>
+    <a:masterClrMapping/>
+  </p:clrMapOvr>
+</p:sld>
+</file>
+
+<file path=ppt/slides/slide24.xml><?xml version="1.0" encoding="utf-8"?>
+<p:sld xmlns:a="http://schemas.openxmlformats.org/drawingml/2006/main" xmlns:p="http://schemas.openxmlformats.org/presentationml/2006/main" xmlns:r="http://schemas.openxmlformats.org/officeDocument/2006/relationships">
+  <p:cSld>
+    <p:spTree>
+      <p:nvGrpSpPr>
+        <p:cNvPr id="1" name=""/>
+        <p:cNvGrpSpPr/>
+        <p:nvPr/>
+      </p:nvGrpSpPr>
+      <p:grpSpPr/>
+      <p:sp>
+        <p:nvSpPr>
+          <p:cNvPr id="2" name="Title 1"/>
+          <p:cNvSpPr>
+            <a:spLocks noGrp="1"/>
+          </p:cNvSpPr>
+          <p:nvPr>
+            <p:ph type="ctrTitle"/>
+          </p:nvPr>
+        </p:nvSpPr>
+        <p:spPr/>
+        <p:txBody>
+          <a:bodyPr/>
+          <a:lstStyle/>
+          <a:p>
+            <a:r>
+              <a:t>explain!</a:t>
+            </a:r>
+          </a:p>
+        </p:txBody>
+      </p:sp>
+      <p:sp>
+        <p:nvSpPr>
+          <p:cNvPr id="3" name="Subtitle 2"/>
+          <p:cNvSpPr>
+            <a:spLocks noGrp="1"/>
+          </p:cNvSpPr>
+          <p:nvPr>
+            <p:ph type="subTitle" idx="1"/>
+          </p:nvPr>
+        </p:nvSpPr>
+        <p:spPr/>
+        <p:txBody>
+          <a:bodyPr/>
+          <a:lstStyle/>
+          <a:p>
+            <a:r>
+              <a:t>Known in the popcorn industry as "old maids", these kernels fail to pop because they do not have enough moisture to create enough steam for an explosion.</a:t>
+            </a:r>
+          </a:p>
+        </p:txBody>
+      </p:sp>
+    </p:spTree>
+  </p:cSld>
+  <p:clrMapOvr>
+    <a:masterClrMapping/>
+  </p:clrMapOvr>
+</p:sld>
+</file>
+
+<file path=ppt/slides/slide25.xml><?xml version="1.0" encoding="utf-8"?>
+<p:sld xmlns:a="http://schemas.openxmlformats.org/drawingml/2006/main" xmlns:p="http://schemas.openxmlformats.org/presentationml/2006/main" xmlns:r="http://schemas.openxmlformats.org/officeDocument/2006/relationships">
+  <p:cSld>
+    <p:spTree>
+      <p:nvGrpSpPr>
+        <p:cNvPr id="1" name=""/>
+        <p:cNvGrpSpPr/>
+        <p:nvPr/>
+      </p:nvGrpSpPr>
+      <p:grpSpPr/>
+      <p:sp>
+        <p:nvSpPr>
+          <p:cNvPr id="2" name="Title 1"/>
+          <p:cNvSpPr>
+            <a:spLocks noGrp="1"/>
+          </p:cNvSpPr>
+          <p:nvPr>
+            <p:ph type="ctrTitle"/>
+          </p:nvPr>
+        </p:nvSpPr>
+        <p:spPr/>
+        <p:txBody>
+          <a:bodyPr/>
+          <a:lstStyle/>
+          <a:p>
+            <a:r>
+              <a:t>explain!</a:t>
+            </a:r>
+          </a:p>
+        </p:txBody>
+      </p:sp>
+      <p:sp>
+        <p:nvSpPr>
+          <p:cNvPr id="3" name="Subtitle 2"/>
+          <p:cNvSpPr>
+            <a:spLocks noGrp="1"/>
+          </p:cNvSpPr>
+          <p:nvPr>
+            <p:ph type="subTitle" idx="1"/>
+          </p:nvPr>
+        </p:nvSpPr>
+        <p:spPr/>
+        <p:txBody>
+          <a:bodyPr/>
+          <a:lstStyle/>
+          <a:p>
+            <a:r>
+              <a:t>The kernels from a single cob of popcorn may form both butterfly and mushroom flakes; hybrids that produce 100% butterfly flakes or 100% mushroom flakes exist, the latter developed only as recently as 1998.</a:t>
+            </a:r>
+          </a:p>
+        </p:txBody>
+      </p:sp>
+    </p:spTree>
+  </p:cSld>
+  <p:clrMapOvr>
+    <a:masterClrMapping/>
+  </p:clrMapOvr>
+</p:sld>
+</file>
+
+<file path=ppt/slides/slide26.xml><?xml version="1.0" encoding="utf-8"?>
+<p:sld xmlns:a="http://schemas.openxmlformats.org/drawingml/2006/main" xmlns:p="http://schemas.openxmlformats.org/presentationml/2006/main" xmlns:r="http://schemas.openxmlformats.org/officeDocument/2006/relationships">
+  <p:cSld>
+    <p:spTree>
+      <p:nvGrpSpPr>
+        <p:cNvPr id="1" name=""/>
+        <p:cNvGrpSpPr/>
+        <p:nvPr/>
+      </p:nvGrpSpPr>
+      <p:grpSpPr/>
+      <p:sp>
+        <p:nvSpPr>
+          <p:cNvPr id="2" name="Title 1"/>
+          <p:cNvSpPr>
+            <a:spLocks noGrp="1"/>
+          </p:cNvSpPr>
+          <p:nvPr>
+            <p:ph type="ctrTitle"/>
+          </p:nvPr>
+        </p:nvSpPr>
+        <p:spPr/>
+        <p:txBody>
+          <a:bodyPr/>
+          <a:lstStyle/>
+          <a:p>
+            <a:r>
+              <a:t>explain!</a:t>
+            </a:r>
+          </a:p>
+        </p:txBody>
+      </p:sp>
+      <p:sp>
+        <p:nvSpPr>
+          <p:cNvPr id="3" name="Subtitle 2"/>
+          <p:cNvSpPr>
+            <a:spLocks noGrp="1"/>
+          </p:cNvSpPr>
+          <p:nvPr>
+            <p:ph type="subTitle" idx="1"/>
+          </p:nvPr>
+        </p:nvSpPr>
+        <p:spPr/>
+        <p:txBody>
+          <a:bodyPr/>
+          <a:lstStyle/>
+          <a:p>
+            <a:r>
+              <a:t>Cinemas have come under fire due to their high markup on popcorn; Stuart Hanson, a film historian at De Montfort University in Leicester once said, "One of the great jokes in the industry is that popcorn is second only to cocaine or heroin in terms of profit."</a:t>
+            </a:r>
+          </a:p>
+        </p:txBody>
+      </p:sp>
+    </p:spTree>
+  </p:cSld>
+  <p:clrMapOvr>
+    <a:masterClrMapping/>
+  </p:clrMapOvr>
+</p:sld>
+</file>
+
+<file path=ppt/slides/slide27.xml><?xml version="1.0" encoding="utf-8"?>
+<p:sld xmlns:a="http://schemas.openxmlformats.org/drawingml/2006/main" xmlns:p="http://schemas.openxmlformats.org/presentationml/2006/main" xmlns:r="http://schemas.openxmlformats.org/officeDocument/2006/relationships">
+  <p:cSld>
+    <p:spTree>
+      <p:nvGrpSpPr>
+        <p:cNvPr id="1" name=""/>
+        <p:cNvGrpSpPr/>
+        <p:nvPr/>
+      </p:nvGrpSpPr>
+      <p:grpSpPr/>
+      <p:sp>
+        <p:nvSpPr>
+          <p:cNvPr id="2" name="Title 1"/>
+          <p:cNvSpPr>
+            <a:spLocks noGrp="1"/>
+          </p:cNvSpPr>
+          <p:nvPr>
+            <p:ph type="ctrTitle"/>
+          </p:nvPr>
+        </p:nvSpPr>
+        <p:spPr/>
+        <p:txBody>
+          <a:bodyPr/>
+          <a:lstStyle/>
+          <a:p>
+            <a:r>
+              <a:t>explain!</a:t>
+            </a:r>
+          </a:p>
+        </p:txBody>
+      </p:sp>
+      <p:sp>
+        <p:nvSpPr>
+          <p:cNvPr id="3" name="Subtitle 2"/>
+          <p:cNvSpPr>
+            <a:spLocks noGrp="1"/>
+          </p:cNvSpPr>
+          <p:nvPr>
+            <p:ph type="subTitle" idx="1"/>
+          </p:nvPr>
+        </p:nvSpPr>
+        <p:spPr/>
+        <p:txBody>
+          <a:bodyPr/>
+          <a:lstStyle/>
+          <a:p>
+            <a:r>
+              <a:t>This is largely because it contains high levels of the chemicals 6-acetyl-2,3,4,5-tetrahydropyridine and 2-acetyl-1-pyrroline, very powerful aroma compounds that are used by food and other industries to make products that either smell like popcorn, bread, or other foods containing the compound in nature, or for other purposes.</a:t>
+            </a:r>
+          </a:p>
+        </p:txBody>
+      </p:sp>
+    </p:spTree>
+  </p:cSld>
+  <p:clrMapOvr>
+    <a:masterClrMapping/>
+  </p:clrMapOvr>
+</p:sld>
+</file>
+
+<file path=ppt/slides/slide28.xml><?xml version="1.0" encoding="utf-8"?>
+<p:sld xmlns:a="http://schemas.openxmlformats.org/drawingml/2006/main" xmlns:p="http://schemas.openxmlformats.org/presentationml/2006/main" xmlns:r="http://schemas.openxmlformats.org/officeDocument/2006/relationships">
+  <p:cSld>
+    <p:spTree>
+      <p:nvGrpSpPr>
+        <p:cNvPr id="1" name=""/>
+        <p:cNvGrpSpPr/>
+        <p:nvPr/>
+      </p:nvGrpSpPr>
+      <p:grpSpPr/>
+      <p:sp>
+        <p:nvSpPr>
+          <p:cNvPr id="2" name="Title 1"/>
+          <p:cNvSpPr>
+            <a:spLocks noGrp="1"/>
+          </p:cNvSpPr>
+          <p:nvPr>
+            <p:ph type="ctrTitle"/>
+          </p:nvPr>
+        </p:nvSpPr>
+        <p:spPr/>
+        <p:txBody>
+          <a:bodyPr/>
+          <a:lstStyle/>
+          <a:p>
+            <a:r>
+              <a:t>explain!</a:t>
+            </a:r>
+          </a:p>
+        </p:txBody>
+      </p:sp>
+      <p:sp>
+        <p:nvSpPr>
+          <p:cNvPr id="3" name="Subtitle 2"/>
+          <p:cNvSpPr>
+            <a:spLocks noGrp="1"/>
+          </p:cNvSpPr>
+          <p:nvPr>
+            <p:ph type="subTitle" idx="1"/>
+          </p:nvPr>
+        </p:nvSpPr>
+        <p:spPr/>
+        <p:txBody>
+          <a:bodyPr/>
+          <a:lstStyle/>
+          <a:p>
+            <a:r>
+              <a:t>Popcorn as a breakfast cereal was consumed by Americans in the 1800s and generally consisted of popcorn with milk and a sweetener.</a:t>
+            </a:r>
+          </a:p>
+        </p:txBody>
+      </p:sp>
+    </p:spTree>
+  </p:cSld>
+  <p:clrMapOvr>
+    <a:masterClrMapping/>
+  </p:clrMapOvr>
+</p:sld>
+</file>
+
+<file path=ppt/slides/slide29.xml><?xml version="1.0" encoding="utf-8"?>
+<p:sld xmlns:a="http://schemas.openxmlformats.org/drawingml/2006/main" xmlns:p="http://schemas.openxmlformats.org/presentationml/2006/main" xmlns:r="http://schemas.openxmlformats.org/officeDocument/2006/relationships">
+  <p:cSld>
+    <p:spTree>
+      <p:nvGrpSpPr>
+        <p:cNvPr id="1" name=""/>
+        <p:cNvGrpSpPr/>
+        <p:nvPr/>
+      </p:nvGrpSpPr>
+      <p:grpSpPr/>
+      <p:sp>
+        <p:nvSpPr>
+          <p:cNvPr id="2" name="Title 1"/>
+          <p:cNvSpPr>
+            <a:spLocks noGrp="1"/>
+          </p:cNvSpPr>
+          <p:nvPr>
+            <p:ph type="ctrTitle"/>
+          </p:nvPr>
+        </p:nvSpPr>
+        <p:spPr/>
+        <p:txBody>
+          <a:bodyPr/>
+          <a:lstStyle/>
+          <a:p>
+            <a:r>
+              <a:t>explain!</a:t>
+            </a:r>
+          </a:p>
+        </p:txBody>
+      </p:sp>
+      <p:sp>
+        <p:nvSpPr>
+          <p:cNvPr id="3" name="Subtitle 2"/>
+          <p:cNvSpPr>
+            <a:spLocks noGrp="1"/>
+          </p:cNvSpPr>
+          <p:nvPr>
+            <p:ph type="subTitle" idx="1"/>
+          </p:nvPr>
+        </p:nvSpPr>
+        <p:spPr/>
+        <p:txBody>
+          <a:bodyPr/>
+          <a:lstStyle/>
+          <a:p>
+            <a:r>
+              <a:t>Popcorn balls (popped kernels stuck together with a sugary "glue") were hugely popular around the turn of the 20th century, but their popularity has since waned.</a:t>
             </a:r>
           </a:p>
         </p:txBody>
@@ -5809,7 +6446,427 @@
           <a:lstStyle/>
           <a:p>
             <a:r>
-              <a:t>headquarters, that within the first year of being online, GitHub had accumulated over 46,000 public repositories, 17,000 of which were formed in the previous month alone.</a:t>
+              <a:t>Popcorn (popped corn, popcorns or pop-corn) is a variety of corn kernel, which expands and puffs up when heated.</a:t>
+            </a:r>
+          </a:p>
+        </p:txBody>
+      </p:sp>
+    </p:spTree>
+  </p:cSld>
+  <p:clrMapOvr>
+    <a:masterClrMapping/>
+  </p:clrMapOvr>
+</p:sld>
+</file>
+
+<file path=ppt/slides/slide30.xml><?xml version="1.0" encoding="utf-8"?>
+<p:sld xmlns:a="http://schemas.openxmlformats.org/drawingml/2006/main" xmlns:p="http://schemas.openxmlformats.org/presentationml/2006/main" xmlns:r="http://schemas.openxmlformats.org/officeDocument/2006/relationships">
+  <p:cSld>
+    <p:spTree>
+      <p:nvGrpSpPr>
+        <p:cNvPr id="1" name=""/>
+        <p:cNvGrpSpPr/>
+        <p:nvPr/>
+      </p:nvGrpSpPr>
+      <p:grpSpPr/>
+      <p:sp>
+        <p:nvSpPr>
+          <p:cNvPr id="2" name="Title 1"/>
+          <p:cNvSpPr>
+            <a:spLocks noGrp="1"/>
+          </p:cNvSpPr>
+          <p:nvPr>
+            <p:ph type="ctrTitle"/>
+          </p:nvPr>
+        </p:nvSpPr>
+        <p:spPr/>
+        <p:txBody>
+          <a:bodyPr/>
+          <a:lstStyle/>
+          <a:p>
+            <a:r>
+              <a:t>explain!</a:t>
+            </a:r>
+          </a:p>
+        </p:txBody>
+      </p:sp>
+      <p:sp>
+        <p:nvSpPr>
+          <p:cNvPr id="3" name="Subtitle 2"/>
+          <p:cNvSpPr>
+            <a:spLocks noGrp="1"/>
+          </p:cNvSpPr>
+          <p:nvPr>
+            <p:ph type="subTitle" idx="1"/>
+          </p:nvPr>
+        </p:nvSpPr>
+        <p:spPr/>
+        <p:txBody>
+          <a:bodyPr/>
+          <a:lstStyle/>
+          <a:p>
+            <a:r>
+              <a:t>The popcorn maker is a relatively new home appliance, and its popularity is increasing because it offers the opportunity to add flavors of the consumer's own choice and to choose healthy-eating popcorn styles.</a:t>
+            </a:r>
+          </a:p>
+        </p:txBody>
+      </p:sp>
+    </p:spTree>
+  </p:cSld>
+  <p:clrMapOvr>
+    <a:masterClrMapping/>
+  </p:clrMapOvr>
+</p:sld>
+</file>
+
+<file path=ppt/slides/slide31.xml><?xml version="1.0" encoding="utf-8"?>
+<p:sld xmlns:a="http://schemas.openxmlformats.org/drawingml/2006/main" xmlns:p="http://schemas.openxmlformats.org/presentationml/2006/main" xmlns:r="http://schemas.openxmlformats.org/officeDocument/2006/relationships">
+  <p:cSld>
+    <p:spTree>
+      <p:nvGrpSpPr>
+        <p:cNvPr id="1" name=""/>
+        <p:cNvGrpSpPr/>
+        <p:nvPr/>
+      </p:nvGrpSpPr>
+      <p:grpSpPr/>
+      <p:sp>
+        <p:nvSpPr>
+          <p:cNvPr id="2" name="Title 1"/>
+          <p:cNvSpPr>
+            <a:spLocks noGrp="1"/>
+          </p:cNvSpPr>
+          <p:nvPr>
+            <p:ph type="ctrTitle"/>
+          </p:nvPr>
+        </p:nvSpPr>
+        <p:spPr/>
+        <p:txBody>
+          <a:bodyPr/>
+          <a:lstStyle/>
+          <a:p>
+            <a:r>
+              <a:t>explain!</a:t>
+            </a:r>
+          </a:p>
+        </p:txBody>
+      </p:sp>
+      <p:sp>
+        <p:nvSpPr>
+          <p:cNvPr id="3" name="Subtitle 2"/>
+          <p:cNvSpPr>
+            <a:spLocks noGrp="1"/>
+          </p:cNvSpPr>
+          <p:nvPr>
+            <p:ph type="subTitle" idx="1"/>
+          </p:nvPr>
+        </p:nvSpPr>
+        <p:spPr/>
+        <p:txBody>
+          <a:bodyPr/>
+          <a:lstStyle/>
+          <a:p>
+            <a:r>
+              <a:t>For the sake of flavor, however, large amounts of fat, sugar, and sodium are often added to prepared popcorn, which can quickly convert it to a very poor choice for those on restricted diets.</a:t>
+            </a:r>
+          </a:p>
+        </p:txBody>
+      </p:sp>
+    </p:spTree>
+  </p:cSld>
+  <p:clrMapOvr>
+    <a:masterClrMapping/>
+  </p:clrMapOvr>
+</p:sld>
+</file>
+
+<file path=ppt/slides/slide32.xml><?xml version="1.0" encoding="utf-8"?>
+<p:sld xmlns:a="http://schemas.openxmlformats.org/drawingml/2006/main" xmlns:p="http://schemas.openxmlformats.org/presentationml/2006/main" xmlns:r="http://schemas.openxmlformats.org/officeDocument/2006/relationships">
+  <p:cSld>
+    <p:spTree>
+      <p:nvGrpSpPr>
+        <p:cNvPr id="1" name=""/>
+        <p:cNvGrpSpPr/>
+        <p:nvPr/>
+      </p:nvGrpSpPr>
+      <p:grpSpPr/>
+      <p:sp>
+        <p:nvSpPr>
+          <p:cNvPr id="2" name="Title 1"/>
+          <p:cNvSpPr>
+            <a:spLocks noGrp="1"/>
+          </p:cNvSpPr>
+          <p:nvPr>
+            <p:ph type="ctrTitle"/>
+          </p:nvPr>
+        </p:nvSpPr>
+        <p:spPr/>
+        <p:txBody>
+          <a:bodyPr/>
+          <a:lstStyle/>
+          <a:p>
+            <a:r>
+              <a:t>explain!</a:t>
+            </a:r>
+          </a:p>
+        </p:txBody>
+      </p:sp>
+      <p:sp>
+        <p:nvSpPr>
+          <p:cNvPr id="3" name="Subtitle 2"/>
+          <p:cNvSpPr>
+            <a:spLocks noGrp="1"/>
+          </p:cNvSpPr>
+          <p:nvPr>
+            <p:ph type="subTitle" idx="1"/>
+          </p:nvPr>
+        </p:nvSpPr>
+        <p:spPr/>
+        <p:txBody>
+          <a:bodyPr/>
+          <a:lstStyle/>
+          <a:p>
+            <a:r>
+              <a:t>One example of this first came to public attention in the mid-1990s, when the Center for Science in the Public Interest produced a report about "Movie Popcorn", which became the subject of a widespread publicity campaign.</a:t>
+            </a:r>
+          </a:p>
+        </p:txBody>
+      </p:sp>
+    </p:spTree>
+  </p:cSld>
+  <p:clrMapOvr>
+    <a:masterClrMapping/>
+  </p:clrMapOvr>
+</p:sld>
+</file>
+
+<file path=ppt/slides/slide33.xml><?xml version="1.0" encoding="utf-8"?>
+<p:sld xmlns:a="http://schemas.openxmlformats.org/drawingml/2006/main" xmlns:p="http://schemas.openxmlformats.org/presentationml/2006/main" xmlns:r="http://schemas.openxmlformats.org/officeDocument/2006/relationships">
+  <p:cSld>
+    <p:spTree>
+      <p:nvGrpSpPr>
+        <p:cNvPr id="1" name=""/>
+        <p:cNvGrpSpPr/>
+        <p:nvPr/>
+      </p:nvGrpSpPr>
+      <p:grpSpPr/>
+      <p:sp>
+        <p:nvSpPr>
+          <p:cNvPr id="2" name="Title 1"/>
+          <p:cNvSpPr>
+            <a:spLocks noGrp="1"/>
+          </p:cNvSpPr>
+          <p:nvPr>
+            <p:ph type="ctrTitle"/>
+          </p:nvPr>
+        </p:nvSpPr>
+        <p:spPr/>
+        <p:txBody>
+          <a:bodyPr/>
+          <a:lstStyle/>
+          <a:p>
+            <a:r>
+              <a:t>explain!</a:t>
+            </a:r>
+          </a:p>
+        </p:txBody>
+      </p:sp>
+      <p:sp>
+        <p:nvSpPr>
+          <p:cNvPr id="3" name="Subtitle 2"/>
+          <p:cNvSpPr>
+            <a:spLocks noGrp="1"/>
+          </p:cNvSpPr>
+          <p:nvPr>
+            <p:ph type="subTitle" idx="1"/>
+          </p:nvPr>
+        </p:nvSpPr>
+        <p:spPr/>
+        <p:txBody>
+          <a:bodyPr/>
+          <a:lstStyle/>
+          <a:p>
+            <a:r>
+              <a:t>In studies conducted by the Motion Picture Association of America it was found that the average American attends six movies a year and that movie theater popcorn and other movie theater snacks are viewed as a treat, not intended to be part of a regular diet.</a:t>
+            </a:r>
+          </a:p>
+        </p:txBody>
+      </p:sp>
+    </p:spTree>
+  </p:cSld>
+  <p:clrMapOvr>
+    <a:masterClrMapping/>
+  </p:clrMapOvr>
+</p:sld>
+</file>
+
+<file path=ppt/slides/slide34.xml><?xml version="1.0" encoding="utf-8"?>
+<p:sld xmlns:a="http://schemas.openxmlformats.org/drawingml/2006/main" xmlns:p="http://schemas.openxmlformats.org/presentationml/2006/main" xmlns:r="http://schemas.openxmlformats.org/officeDocument/2006/relationships">
+  <p:cSld>
+    <p:spTree>
+      <p:nvGrpSpPr>
+        <p:cNvPr id="1" name=""/>
+        <p:cNvGrpSpPr/>
+        <p:nvPr/>
+      </p:nvGrpSpPr>
+      <p:grpSpPr/>
+      <p:sp>
+        <p:nvSpPr>
+          <p:cNvPr id="2" name="Title 1"/>
+          <p:cNvSpPr>
+            <a:spLocks noGrp="1"/>
+          </p:cNvSpPr>
+          <p:nvPr>
+            <p:ph type="ctrTitle"/>
+          </p:nvPr>
+        </p:nvSpPr>
+        <p:spPr/>
+        <p:txBody>
+          <a:bodyPr/>
+          <a:lstStyle/>
+          <a:p>
+            <a:r>
+              <a:t>explain!</a:t>
+            </a:r>
+          </a:p>
+        </p:txBody>
+      </p:sp>
+      <p:sp>
+        <p:nvSpPr>
+          <p:cNvPr id="3" name="Subtitle 2"/>
+          <p:cNvSpPr>
+            <a:spLocks noGrp="1"/>
+          </p:cNvSpPr>
+          <p:nvPr>
+            <p:ph type="subTitle" idx="1"/>
+          </p:nvPr>
+        </p:nvSpPr>
+        <p:spPr/>
+        <p:txBody>
+          <a:bodyPr/>
+          <a:lstStyle/>
+          <a:p>
+            <a:r>
+              <a:t>Popcorn is included on the list of foods that the American Academy of Pediatrics recommends not serving to children under four, because of the risk of choking.</a:t>
+            </a:r>
+          </a:p>
+        </p:txBody>
+      </p:sp>
+    </p:spTree>
+  </p:cSld>
+  <p:clrMapOvr>
+    <a:masterClrMapping/>
+  </p:clrMapOvr>
+</p:sld>
+</file>
+
+<file path=ppt/slides/slide35.xml><?xml version="1.0" encoding="utf-8"?>
+<p:sld xmlns:a="http://schemas.openxmlformats.org/drawingml/2006/main" xmlns:p="http://schemas.openxmlformats.org/presentationml/2006/main" xmlns:r="http://schemas.openxmlformats.org/officeDocument/2006/relationships">
+  <p:cSld>
+    <p:spTree>
+      <p:nvGrpSpPr>
+        <p:cNvPr id="1" name=""/>
+        <p:cNvGrpSpPr/>
+        <p:nvPr/>
+      </p:nvGrpSpPr>
+      <p:grpSpPr/>
+      <p:sp>
+        <p:nvSpPr>
+          <p:cNvPr id="2" name="Title 1"/>
+          <p:cNvSpPr>
+            <a:spLocks noGrp="1"/>
+          </p:cNvSpPr>
+          <p:nvPr>
+            <p:ph type="ctrTitle"/>
+          </p:nvPr>
+        </p:nvSpPr>
+        <p:spPr/>
+        <p:txBody>
+          <a:bodyPr/>
+          <a:lstStyle/>
+          <a:p>
+            <a:r>
+              <a:t>explain!</a:t>
+            </a:r>
+          </a:p>
+        </p:txBody>
+      </p:sp>
+      <p:sp>
+        <p:nvSpPr>
+          <p:cNvPr id="3" name="Subtitle 2"/>
+          <p:cNvSpPr>
+            <a:spLocks noGrp="1"/>
+          </p:cNvSpPr>
+          <p:nvPr>
+            <p:ph type="subTitle" idx="1"/>
+          </p:nvPr>
+        </p:nvSpPr>
+        <p:spPr/>
+        <p:txBody>
+          <a:bodyPr/>
+          <a:lstStyle/>
+          <a:p>
+            <a:r>
+              <a:t>One of these formerly common artificial-butter flavorants, diacetyl, has been implicated in causing respiratory illnesses in microwave popcorn factory workers, also known as "popcorn lung".</a:t>
+            </a:r>
+          </a:p>
+        </p:txBody>
+      </p:sp>
+    </p:spTree>
+  </p:cSld>
+  <p:clrMapOvr>
+    <a:masterClrMapping/>
+  </p:clrMapOvr>
+</p:sld>
+</file>
+
+<file path=ppt/slides/slide36.xml><?xml version="1.0" encoding="utf-8"?>
+<p:sld xmlns:a="http://schemas.openxmlformats.org/drawingml/2006/main" xmlns:p="http://schemas.openxmlformats.org/presentationml/2006/main" xmlns:r="http://schemas.openxmlformats.org/officeDocument/2006/relationships">
+  <p:cSld>
+    <p:spTree>
+      <p:nvGrpSpPr>
+        <p:cNvPr id="1" name=""/>
+        <p:cNvGrpSpPr/>
+        <p:nvPr/>
+      </p:nvGrpSpPr>
+      <p:grpSpPr/>
+      <p:sp>
+        <p:nvSpPr>
+          <p:cNvPr id="2" name="Title 1"/>
+          <p:cNvSpPr>
+            <a:spLocks noGrp="1"/>
+          </p:cNvSpPr>
+          <p:nvPr>
+            <p:ph type="ctrTitle"/>
+          </p:nvPr>
+        </p:nvSpPr>
+        <p:spPr/>
+        <p:txBody>
+          <a:bodyPr/>
+          <a:lstStyle/>
+          <a:p>
+            <a:r>
+              <a:t>explain!</a:t>
+            </a:r>
+          </a:p>
+        </p:txBody>
+      </p:sp>
+      <p:sp>
+        <p:nvSpPr>
+          <p:cNvPr id="3" name="Subtitle 2"/>
+          <p:cNvSpPr>
+            <a:spLocks noGrp="1"/>
+          </p:cNvSpPr>
+          <p:nvPr>
+            <p:ph type="subTitle" idx="1"/>
+          </p:nvPr>
+        </p:nvSpPr>
+        <p:spPr/>
+        <p:txBody>
+          <a:bodyPr/>
+          <a:lstStyle/>
+          <a:p>
+            <a:r>
+              <a:t>Popcorn, threaded onto a string, is used as a wall or Christmas tree decoration in some parts of North America, as well as on the Balkan peninsula.</a:t>
             </a:r>
           </a:p>
         </p:txBody>
@@ -5869,7 +6926,7 @@
           <a:lstStyle/>
           <a:p>
             <a:r>
-              <a:t>On July 27, 2009, in another talk delivered at Yahoo!, Tom Preston-Werner announced that GitHub had grown to host 90,000 unique public repositories, 12,000 having been forked at least once, for a total of 135,000 repositories.</a:t>
+              <a:t>A popcorn kernel's strong hull contains the seed's hard, starchy endosperm with 14–20% moisture, which turns to steam as the kernel is heated.</a:t>
             </a:r>
           </a:p>
         </p:txBody>
@@ -5929,7 +6986,7 @@
           <a:lstStyle/>
           <a:p>
             <a:r>
-              <a:t>On June 2, 2011, ReadWriteWeb reported that GitHub had surpassed SourceForge and Google Code in total number of commits for the period of January to May 2011.</a:t>
+              <a:t>Pressure from the steam continues to build until the hull ruptures, allowing the kernel to forcefully expand from 20 to 50 times its original size—and finally, cool.</a:t>
             </a:r>
           </a:p>
         </p:txBody>
@@ -5989,7 +7046,7 @@
           <a:lstStyle/>
           <a:p>
             <a:r>
-              <a:t>On July 9, 2012, Peter Levine, general partner at GitHub investor Andreessen Horowitz, stated that GitHub had been growing revenue at 300% annually since 2008 "profitably nearly the entire way".</a:t>
+              <a:t>A popcorn kernel's strong hull contains the seed's hard, starchy endosperm with 14–20% moisture, which turns to steam as the kernel is heated.</a:t>
             </a:r>
           </a:p>
         </p:txBody>
@@ -6049,7 +7106,7 @@
           <a:lstStyle/>
           <a:p>
             <a:r>
-              <a:t>On January 16, 2013, GitHub announced it had passed the 3 million users mark and was then hosting more than 5 million repositories.</a:t>
+              <a:t>Popcorn is an ingredient in Cracker Jack, and in the early years of the product, it was popped by hand.</a:t>
             </a:r>
           </a:p>
         </p:txBody>
@@ -6109,7 +7166,7 @@
           <a:lstStyle/>
           <a:p>
             <a:r>
-              <a:t>Microsoft had become a significant user of GitHub, using it to host open source projects and development tools such as Chakra Core, PowerShell, and Visual Studio Code, and has backed other open source projects such as Linux, and developed Git Virtual File System—a Git extension for managing large-scale repositories (and itself has been adopted by GitHub).</a:t>
+              <a:t>Cretors, a Chicago candy store owner, created a number of steam-powered machines for roasting nuts and applied the technology to the corn kernels.</a:t>
             </a:r>
           </a:p>
         </p:txBody>
@@ -6169,7 +7226,7 @@
           <a:lstStyle/>
           <a:p>
             <a:r>
-              <a:t>Some saw this as a culmination of Microsoft's recent changes in business strategy under CEO Satya Nadella, which has seen a larger focus on the sale of cloud computing services as its main line of business, alongside development of and contributions to open source software (such as Linux), as opposed to the Microsoft Windows operating system.</a:t>
+              <a:t>By the turn of the century, Cretors had created and deployed street carts equipped with steam-powered popcorn makers.</a:t>
             </a:r>
           </a:p>
         </p:txBody>

--- a/name1.pptx
+++ b/name1.pptx
@@ -41,6 +41,30 @@
     <p:sldId id="289" r:id="rId39"/>
     <p:sldId id="290" r:id="rId40"/>
     <p:sldId id="291" r:id="rId41"/>
+    <p:sldId id="292" r:id="rId42"/>
+    <p:sldId id="293" r:id="rId43"/>
+    <p:sldId id="294" r:id="rId44"/>
+    <p:sldId id="295" r:id="rId45"/>
+    <p:sldId id="296" r:id="rId46"/>
+    <p:sldId id="297" r:id="rId47"/>
+    <p:sldId id="298" r:id="rId48"/>
+    <p:sldId id="299" r:id="rId49"/>
+    <p:sldId id="300" r:id="rId50"/>
+    <p:sldId id="301" r:id="rId51"/>
+    <p:sldId id="302" r:id="rId52"/>
+    <p:sldId id="303" r:id="rId53"/>
+    <p:sldId id="304" r:id="rId54"/>
+    <p:sldId id="305" r:id="rId55"/>
+    <p:sldId id="306" r:id="rId56"/>
+    <p:sldId id="307" r:id="rId57"/>
+    <p:sldId id="308" r:id="rId58"/>
+    <p:sldId id="309" r:id="rId59"/>
+    <p:sldId id="310" r:id="rId60"/>
+    <p:sldId id="311" r:id="rId61"/>
+    <p:sldId id="312" r:id="rId62"/>
+    <p:sldId id="313" r:id="rId63"/>
+    <p:sldId id="314" r:id="rId64"/>
+    <p:sldId id="315" r:id="rId65"/>
   </p:sldIdLst>
   <p:sldSz cx="9144000" cy="6858000" type="screen4x3"/>
   <p:notesSz cx="6858000" cy="9144000"/>
@@ -5081,7 +5105,7 @@
           <a:lstStyle/>
           <a:p>
             <a:r>
-              <a:t>Hello, World!</a:t>
+              <a:t>Chocolate</a:t>
             </a:r>
           </a:p>
         </p:txBody>
@@ -5102,7 +5126,7 @@
           <a:lstStyle/>
           <a:p>
             <a:r>
-              <a:t>python-pptx is here!</a:t>
+              <a:t>Chocolate is a usually sweet, brown food preparation of roasted and ground cacao seeds.</a:t>
             </a:r>
           </a:p>
         </p:txBody>
@@ -5141,7 +5165,7 @@
           <a:lstStyle/>
           <a:p>
             <a:r>
-              <a:t>explain!</a:t>
+              <a:t> </a:t>
             </a:r>
           </a:p>
         </p:txBody>
@@ -5162,7 +5186,7 @@
           <a:lstStyle/>
           <a:p>
             <a:r>
-              <a:t>During World War II, sugar rations diminished candy production, and Americans compensated by eating three times as much popcorn as they had before.</a:t>
+              <a:t>In 1893, Milton S. Hershey purchased chocolate processing equipment at the World's Columbian Exposition in Chicago, and soon began the career of Hershey's chocolates with chocolate-coated caramels.</a:t>
             </a:r>
           </a:p>
         </p:txBody>
@@ -5201,7 +5225,7 @@
           <a:lstStyle/>
           <a:p>
             <a:r>
-              <a:t>explain!</a:t>
+              <a:t> </a:t>
             </a:r>
           </a:p>
         </p:txBody>
@@ -5222,7 +5246,7 @@
           <a:lstStyle/>
           <a:p>
             <a:r>
-              <a:t>In 1981, General Mills received the first patent for a microwave popcorn bag, with popcorn consumption seeing a sharp increase by tens of thousands of pounds in the years following.</a:t>
+              <a:t>In the UK and Ireland, milk chocolate must contain a minimum of 20% total dry cocoa solids; in the rest of the European Union, the minimum is 25%.</a:t>
             </a:r>
           </a:p>
         </p:txBody>
@@ -5261,7 +5285,7 @@
           <a:lstStyle/>
           <a:p>
             <a:r>
-              <a:t>explain!</a:t>
+              <a:t> </a:t>
             </a:r>
           </a:p>
         </p:txBody>
@@ -5282,7 +5306,7 @@
           <a:lstStyle/>
           <a:p>
             <a:r>
-              <a:t>At least six localities (all in the Midwestern United States) claim to be the "Popcorn Capital of the World;": Ridgway, Illinois; Valparaiso, Indiana; Van Buren, Indiana; Schaller, Iowa; Marion, Ohio;  and North Loup, Nebraska.</a:t>
+              <a:t>Chocolate is made from cocoa beans, the dried and fermented seeds of the cacao tree (Theobroma cacao), a small, 4–8 m tall (15–26 ft tall) evergreen tree native to the deep tropical region of the Americas.</a:t>
             </a:r>
           </a:p>
         </p:txBody>
@@ -5321,7 +5345,7 @@
           <a:lstStyle/>
           <a:p>
             <a:r>
-              <a:t>explain!</a:t>
+              <a:t> </a:t>
             </a:r>
           </a:p>
         </p:txBody>
@@ -5342,7 +5366,7 @@
           <a:lstStyle/>
           <a:p>
             <a:r>
-              <a:t>According to the USDA, corn used for popcorn production is specifically planted for this purpose; most is grown in Nebraska and Indiana, with increasing area in Texas.</a:t>
+              <a:t>The three main varieties of cacao beans used in chocolate are criollo, forastero, and trinitario.</a:t>
             </a:r>
           </a:p>
         </p:txBody>
@@ -5381,7 +5405,7 @@
           <a:lstStyle/>
           <a:p>
             <a:r>
-              <a:t>explain!</a:t>
+              <a:t> </a:t>
             </a:r>
           </a:p>
         </p:txBody>
@@ -5402,7 +5426,7 @@
           <a:lstStyle/>
           <a:p>
             <a:r>
-              <a:t>Unlike most other grains, the outer hull of the popcorn kernel is both strong and impervious to moisture and the starch inside consists almost entirely of a hard type.</a:t>
+              <a:t>Representing only 5% of all cocoa beans grown as of  2008, criollo is the rarest and most expensive cocoa on the market, and is native to Central America, the Caribbean islands and the northern tier of South American states.</a:t>
             </a:r>
           </a:p>
         </p:txBody>
@@ -5441,7 +5465,7 @@
           <a:lstStyle/>
           <a:p>
             <a:r>
-              <a:t>explain!</a:t>
+              <a:t> </a:t>
             </a:r>
           </a:p>
         </p:txBody>
@@ -5462,7 +5486,7 @@
           <a:lstStyle/>
           <a:p>
             <a:r>
-              <a:t>A different method of popcorn-making is be seen on the streets of some Chinese cities and Korea today.</a:t>
+              <a:t>The source of most chocolate marketed, forastero cocoas are typically strong in classic "chocolate" flavor, but have a short duration and are unsupported by secondary flavors, producing "quite bland" chocolate.</a:t>
             </a:r>
           </a:p>
         </p:txBody>
@@ -5501,7 +5525,7 @@
           <a:lstStyle/>
           <a:p>
             <a:r>
-              <a:t>explain!</a:t>
+              <a:t> </a:t>
             </a:r>
           </a:p>
         </p:txBody>
@@ -5522,7 +5546,7 @@
           <a:lstStyle/>
           <a:p>
             <a:r>
-              <a:t>The un-popped corn kernels are poured into a large cast-iron canister — sometimes called a 'popcorn hammer'— that is then sealed with a heavy lid and slowly turned over a fire in rotisserie fashion.</a:t>
+              <a:t>The beans with their surrounding pulp are removed from the pods and placed in piles or bins, allowing access to micro-organisms so fermentation of the pectin-containing material can begin.</a:t>
             </a:r>
           </a:p>
         </p:txBody>
@@ -5561,7 +5585,7 @@
           <a:lstStyle/>
           <a:p>
             <a:r>
-              <a:t>explain!</a:t>
+              <a:t> </a:t>
             </a:r>
           </a:p>
         </p:txBody>
@@ -5582,7 +5606,7 @@
           <a:lstStyle/>
           <a:p>
             <a:r>
-              <a:t>With a huge boom, all of the popcorn explodes  and is poured into the sack.</a:t>
+              <a:t>Chocolate liquor is blended with the cocoa butter in varying quantities to make different types of chocolate or couvertures.</a:t>
             </a:r>
           </a:p>
         </p:txBody>
@@ -5621,7 +5645,7 @@
           <a:lstStyle/>
           <a:p>
             <a:r>
-              <a:t>explain!</a:t>
+              <a:t> </a:t>
             </a:r>
           </a:p>
         </p:txBody>
@@ -5642,7 +5666,7 @@
           <a:lstStyle/>
           <a:p>
             <a:r>
-              <a:t>If heated too quickly, the steam in the outer layers of the kernel can reach high pressures and rupture the hull before the starch in the center of the kernel can fully gelatinize, leading to partially popped kernels with hard centers.</a:t>
+              <a:t>The more expensive chocolate tends to be processed longer and thus have a smoother texture and mouthfeel, regardless of whether emulsifying agents are added.</a:t>
             </a:r>
           </a:p>
         </p:txBody>
@@ -5681,7 +5705,7 @@
           <a:lstStyle/>
           <a:p>
             <a:r>
-              <a:t>explain!</a:t>
+              <a:t> </a:t>
             </a:r>
           </a:p>
         </p:txBody>
@@ -5702,7 +5726,7 @@
           <a:lstStyle/>
           <a:p>
             <a:r>
-              <a:t>Heating too slowly leads to entirely unpopped kernels: the tip of the kernel, where it attached to the cob, is not entirely moisture-proof, and when heated slowly, the steam can leak out of the tip fast enough to keep the pressure from rising sufficiently to break the hull and cause the pop.</a:t>
+              <a:t>The uniform sheen and crisp bite of properly processed chocolate are the result of consistently small cocoa butter crystals produced by the tempering process.</a:t>
             </a:r>
           </a:p>
         </p:txBody>
@@ -5769,7 +5793,7 @@
       </p:sp>
       <p:pic>
         <p:nvPicPr>
-          <p:cNvPr id="4" name="Picture 3" descr="image.jpg"/>
+          <p:cNvPr id="4" name="Picture 3" descr="image0.jpg"/>
           <p:cNvPicPr>
             <a:picLocks noChangeAspect="1"/>
           </p:cNvPicPr>
@@ -5784,7 +5808,7 @@
         <p:spPr>
           <a:xfrm>
             <a:off x="914400" y="1828800"/>
-            <a:ext cx="5208608" cy="3657600"/>
+            <a:ext cx="4064000" cy="3657600"/>
           </a:xfrm>
           <a:prstGeom prst="rect">
             <a:avLst/>
@@ -5825,7 +5849,7 @@
           <a:lstStyle/>
           <a:p>
             <a:r>
-              <a:t>explain!</a:t>
+              <a:t> </a:t>
             </a:r>
           </a:p>
         </p:txBody>
@@ -5846,7 +5870,7 @@
           <a:lstStyle/>
           <a:p>
             <a:r>
-              <a:t>Producers and sellers of popcorn consider two major factors in evaluating the quality of popcorn: what percentage of the kernels will pop, and how much each popped kernel expands.</a:t>
+              <a:t>Once heated, the crystals of the polymorphic cocoa butter are able to break apart from the rigid structure and allow the chocolate to obtain a more fluid consistency as the temperature increases – the melting process.</a:t>
             </a:r>
           </a:p>
         </p:txBody>
@@ -5885,7 +5909,7 @@
           <a:lstStyle/>
           <a:p>
             <a:r>
-              <a:t>explain!</a:t>
+              <a:t> </a:t>
             </a:r>
           </a:p>
         </p:txBody>
@@ -5906,7 +5930,7 @@
           <a:lstStyle/>
           <a:p>
             <a:r>
-              <a:t>For the consumer, larger pieces of popcorn tend to be more tender and are associated with higher quality.</a:t>
+              <a:t>In general, molten chocolate coming in at 40–50 °C is cooled in heat exchangers to crystallization temperates of about 26–30 °C, passed through a tempering column consisting of spinning plates to induce shear, then warmed slightly to re-melt undesirable crystal formations.</a:t>
             </a:r>
           </a:p>
         </p:txBody>
@@ -5945,7 +5969,7 @@
           <a:lstStyle/>
           <a:p>
             <a:r>
-              <a:t>explain!</a:t>
+              <a:t> </a:t>
             </a:r>
           </a:p>
         </p:txBody>
@@ -5966,7 +5990,7 @@
           <a:lstStyle/>
           <a:p>
             <a:r>
-              <a:t>For the grower, distributor and vendor, expansion is closely correlated with profit: vendors such as theaters buy popcorn by weight and sell it by volume.</a:t>
+              <a:t>To distinguish between different types of bloom, one can rub the surface of the chocolate lightly, and if the bloom disappears, it is fat bloom.</a:t>
             </a:r>
           </a:p>
         </p:txBody>
@@ -6005,7 +6029,7 @@
           <a:lstStyle/>
           <a:p>
             <a:r>
-              <a:t>explain!</a:t>
+              <a:t> </a:t>
             </a:r>
           </a:p>
         </p:txBody>
@@ -6026,7 +6050,7 @@
           <a:lstStyle/>
           <a:p>
             <a:r>
-              <a:t>For these reasons, popcorn growers and distributors dry the kernels until they reach the moisture level at which they expand the most.</a:t>
+              <a:t>The glossy shine, snap, aroma, texture, and taste of the chocolate can show the quality and if it was stored well.</a:t>
             </a:r>
           </a:p>
         </p:txBody>
@@ -6065,7 +6089,7 @@
           <a:lstStyle/>
           <a:p>
             <a:r>
-              <a:t>explain!</a:t>
+              <a:t> </a:t>
             </a:r>
           </a:p>
         </p:txBody>
@@ -6086,7 +6110,7 @@
           <a:lstStyle/>
           <a:p>
             <a:r>
-              <a:t>Known in the popcorn industry as "old maids", these kernels fail to pop because they do not have enough moisture to create enough steam for an explosion.</a:t>
+              <a:t>Chocolate contains alkaloids such as theobromine and phenethylamine, which have physiological effects in humans, but the presence of theobromine renders it toxic to some animals, such as dogs and cats.</a:t>
             </a:r>
           </a:p>
         </p:txBody>
@@ -6125,7 +6149,7 @@
           <a:lstStyle/>
           <a:p>
             <a:r>
-              <a:t>explain!</a:t>
+              <a:t> </a:t>
             </a:r>
           </a:p>
         </p:txBody>
@@ -6146,7 +6170,7 @@
           <a:lstStyle/>
           <a:p>
             <a:r>
-              <a:t>The kernels from a single cob of popcorn may form both butterfly and mushroom flakes; hybrids that produce 100% butterfly flakes or 100% mushroom flakes exist, the latter developed only as recently as 1998.</a:t>
+              <a:t>However, reports from 2014 indicate that "chocolate might be a significant source" of lead ingestion for children if consumption is high, and "one 10 g cube of dark chocolate may contain as much as 20% of the daily lead oral limit."</a:t>
             </a:r>
           </a:p>
         </p:txBody>
@@ -6185,7 +6209,7 @@
           <a:lstStyle/>
           <a:p>
             <a:r>
-              <a:t>explain!</a:t>
+              <a:t> </a:t>
             </a:r>
           </a:p>
         </p:txBody>
@@ -6206,7 +6230,7 @@
           <a:lstStyle/>
           <a:p>
             <a:r>
-              <a:t>Cinemas have come under fire due to their high markup on popcorn; Stuart Hanson, a film historian at De Montfort University in Leicester once said, "One of the great jokes in the industry is that popcorn is second only to cocaine or heroin in terms of profit."</a:t>
+              <a:t>Chocolate and cocoa are under preliminary research to determine if consumption affects the risk of certain cardiovascular diseases or cognitive abilities.</a:t>
             </a:r>
           </a:p>
         </p:txBody>
@@ -6245,7 +6269,7 @@
           <a:lstStyle/>
           <a:p>
             <a:r>
-              <a:t>explain!</a:t>
+              <a:t> </a:t>
             </a:r>
           </a:p>
         </p:txBody>
@@ -6266,7 +6290,7 @@
           <a:lstStyle/>
           <a:p>
             <a:r>
-              <a:t>This is largely because it contains high levels of the chemicals 6-acetyl-2,3,4,5-tetrahydropyridine and 2-acetyl-1-pyrroline, very powerful aroma compounds that are used by food and other industries to make products that either smell like popcorn, bread, or other foods containing the compound in nature, or for other purposes.</a:t>
+              <a:t>Excessive consumption of large quantities of any energy-rich food, such as chocolate, without a corresponding increase in activity to expend the associated calories, can cause weight gain and possibly lead to obesity.</a:t>
             </a:r>
           </a:p>
         </p:txBody>
@@ -6305,7 +6329,7 @@
           <a:lstStyle/>
           <a:p>
             <a:r>
-              <a:t>explain!</a:t>
+              <a:t> </a:t>
             </a:r>
           </a:p>
         </p:txBody>
@@ -6326,7 +6350,7 @@
           <a:lstStyle/>
           <a:p>
             <a:r>
-              <a:t>Popcorn as a breakfast cereal was consumed by Americans in the 1800s and generally consisted of popcorn with milk and a sweetener.</a:t>
+              <a:t>In June 2007, as a response to consumer concern after the proposed change, the FDA reiterated "Cacao fat, as one of the signature characteristics of the product, will remain a principal component of standardized chocolate."</a:t>
             </a:r>
           </a:p>
         </p:txBody>
@@ -6365,7 +6389,7 @@
           <a:lstStyle/>
           <a:p>
             <a:r>
-              <a:t>explain!</a:t>
+              <a:t> </a:t>
             </a:r>
           </a:p>
         </p:txBody>
@@ -6386,7 +6410,7 @@
           <a:lstStyle/>
           <a:p>
             <a:r>
-              <a:t>Popcorn balls (popped kernels stuck together with a sugary "glue") were hugely popular around the turn of the 20th century, but their popularity has since waned.</a:t>
+              <a:t>Despite the expanding reach of the chocolate industry internationally, cocoa farmers and labourers in the Ivory Coast are unaware of the uses of the beans.</a:t>
             </a:r>
           </a:p>
         </p:txBody>
@@ -6425,7 +6449,7 @@
           <a:lstStyle/>
           <a:p>
             <a:r>
-              <a:t>explain!</a:t>
+              <a:t>ABOUT</a:t>
             </a:r>
           </a:p>
         </p:txBody>
@@ -6446,7 +6470,7 @@
           <a:lstStyle/>
           <a:p>
             <a:r>
-              <a:t>Popcorn (popped corn, popcorns or pop-corn) is a variety of corn kernel, which expands and puffs up when heated.</a:t>
+              <a:t> </a:t>
             </a:r>
           </a:p>
         </p:txBody>
@@ -6485,7 +6509,7 @@
           <a:lstStyle/>
           <a:p>
             <a:r>
-              <a:t>explain!</a:t>
+              <a:t> </a:t>
             </a:r>
           </a:p>
         </p:txBody>
@@ -6506,7 +6530,7 @@
           <a:lstStyle/>
           <a:p>
             <a:r>
-              <a:t>The popcorn maker is a relatively new home appliance, and its popularity is increasing because it offers the opportunity to add flavors of the consumer's own choice and to choose healthy-eating popcorn styles.</a:t>
+              <a:t>The high cost of chocolate in the Ivory Coast also means that it is inaccessible to the majority of the population, who are unaware of what it tastes like.</a:t>
             </a:r>
           </a:p>
         </p:txBody>
@@ -6545,7 +6569,7 @@
           <a:lstStyle/>
           <a:p>
             <a:r>
-              <a:t>explain!</a:t>
+              <a:t> </a:t>
             </a:r>
           </a:p>
         </p:txBody>
@@ -6566,7 +6590,7 @@
           <a:lstStyle/>
           <a:p>
             <a:r>
-              <a:t>For the sake of flavor, however, large amounts of fat, sugar, and sodium are often added to prepared popcorn, which can quickly convert it to a very poor choice for those on restricted diets.</a:t>
+              <a:t>In 2009, Salvation Army International Development (SAID) UK stated that 12,000 children have been trafficked on cocoa farms in the Ivory Coast of Africa, where half of the world's chocolate is made.</a:t>
             </a:r>
           </a:p>
         </p:txBody>
@@ -6605,7 +6629,7 @@
           <a:lstStyle/>
           <a:p>
             <a:r>
-              <a:t>explain!</a:t>
+              <a:t> </a:t>
             </a:r>
           </a:p>
         </p:txBody>
@@ -6626,7 +6650,7 @@
           <a:lstStyle/>
           <a:p>
             <a:r>
-              <a:t>One example of this first came to public attention in the mid-1990s, when the Center for Science in the Public Interest produced a report about "Movie Popcorn", which became the subject of a widespread publicity campaign.</a:t>
+              <a:t>The International Cocoa Initiative involving major cocoa manufacturers established the Child Labor Monitoring and Remediation System intended to monitor thousands of farms in Ghana and Côte d'Ivoire for child labor conditions, but the program reached less than 20% of the child laborers.</a:t>
             </a:r>
           </a:p>
         </p:txBody>
@@ -6665,7 +6689,7 @@
           <a:lstStyle/>
           <a:p>
             <a:r>
-              <a:t>explain!</a:t>
+              <a:t> </a:t>
             </a:r>
           </a:p>
         </p:txBody>
@@ -6686,7 +6710,7 @@
           <a:lstStyle/>
           <a:p>
             <a:r>
-              <a:t>In studies conducted by the Motion Picture Association of America it was found that the average American attends six movies a year and that movie theater popcorn and other movie theater snacks are viewed as a treat, not intended to be part of a regular diet.</a:t>
+              <a:t>In April 2018, the Cocoa Barometer report stated: "Not a single company or government is anywhere near reaching the sectorwide objective of the elimination of child labour, and not even near their commitments of a 70% reduction of child labour by 2020".</a:t>
             </a:r>
           </a:p>
         </p:txBody>
@@ -6725,7 +6749,7 @@
           <a:lstStyle/>
           <a:p>
             <a:r>
-              <a:t>explain!</a:t>
+              <a:t> </a:t>
             </a:r>
           </a:p>
         </p:txBody>
@@ -6746,7 +6770,7 @@
           <a:lstStyle/>
           <a:p>
             <a:r>
-              <a:t>Popcorn is included on the list of foods that the American Academy of Pediatrics recommends not serving to children under four, because of the risk of choking.</a:t>
+              <a:t>Numerous types of candy and snacks contain chocolate, either as a filling (e.g., M&amp;M's) or as a coating (e.g., chocolate-coated raisins or chocolate-coated peanuts).</a:t>
             </a:r>
           </a:p>
         </p:txBody>
@@ -6785,7 +6809,7 @@
           <a:lstStyle/>
           <a:p>
             <a:r>
-              <a:t>explain!</a:t>
+              <a:t> </a:t>
             </a:r>
           </a:p>
         </p:txBody>
@@ -6806,11 +6830,35 @@
           <a:lstStyle/>
           <a:p>
             <a:r>
-              <a:t>One of these formerly common artificial-butter flavorants, diacetyl, has been implicated in causing respiratory illnesses in microwave popcorn factory workers, also known as "popcorn lung".</a:t>
-            </a:r>
-          </a:p>
-        </p:txBody>
-      </p:sp>
+              <a:t> </a:t>
+            </a:r>
+          </a:p>
+        </p:txBody>
+      </p:sp>
+      <p:pic>
+        <p:nvPicPr>
+          <p:cNvPr id="4" name="Picture 3" descr="image1.jpg"/>
+          <p:cNvPicPr>
+            <a:picLocks noChangeAspect="1"/>
+          </p:cNvPicPr>
+          <p:nvPr/>
+        </p:nvPicPr>
+        <p:blipFill>
+          <a:blip r:embed="rId2"/>
+          <a:stretch>
+            <a:fillRect/>
+          </a:stretch>
+        </p:blipFill>
+        <p:spPr>
+          <a:xfrm>
+            <a:off x="914400" y="1828800"/>
+            <a:ext cx="2439591" cy="3657600"/>
+          </a:xfrm>
+          <a:prstGeom prst="rect">
+            <a:avLst/>
+          </a:prstGeom>
+        </p:spPr>
+      </p:pic>
     </p:spTree>
   </p:cSld>
   <p:clrMapOvr>
@@ -6845,7 +6893,7 @@
           <a:lstStyle/>
           <a:p>
             <a:r>
-              <a:t>explain!</a:t>
+              <a:t>ADVANTAGES</a:t>
             </a:r>
           </a:p>
         </p:txBody>
@@ -6866,7 +6914,187 @@
           <a:lstStyle/>
           <a:p>
             <a:r>
-              <a:t>Popcorn, threaded onto a string, is used as a wall or Christmas tree decoration in some parts of North America, as well as on the Balkan peninsula.</a:t>
+              <a:t> </a:t>
+            </a:r>
+          </a:p>
+        </p:txBody>
+      </p:sp>
+    </p:spTree>
+  </p:cSld>
+  <p:clrMapOvr>
+    <a:masterClrMapping/>
+  </p:clrMapOvr>
+</p:sld>
+</file>
+
+<file path=ppt/slides/slide37.xml><?xml version="1.0" encoding="utf-8"?>
+<p:sld xmlns:a="http://schemas.openxmlformats.org/drawingml/2006/main" xmlns:p="http://schemas.openxmlformats.org/presentationml/2006/main" xmlns:r="http://schemas.openxmlformats.org/officeDocument/2006/relationships">
+  <p:cSld>
+    <p:spTree>
+      <p:nvGrpSpPr>
+        <p:cNvPr id="1" name=""/>
+        <p:cNvGrpSpPr/>
+        <p:nvPr/>
+      </p:nvGrpSpPr>
+      <p:grpSpPr/>
+      <p:sp>
+        <p:nvSpPr>
+          <p:cNvPr id="2" name="Title 1"/>
+          <p:cNvSpPr>
+            <a:spLocks noGrp="1"/>
+          </p:cNvSpPr>
+          <p:nvPr>
+            <p:ph type="ctrTitle"/>
+          </p:nvPr>
+        </p:nvSpPr>
+        <p:spPr/>
+        <p:txBody>
+          <a:bodyPr/>
+          <a:lstStyle/>
+          <a:p>
+            <a:r>
+              <a:t> </a:t>
+            </a:r>
+          </a:p>
+        </p:txBody>
+      </p:sp>
+      <p:sp>
+        <p:nvSpPr>
+          <p:cNvPr id="3" name="Subtitle 2"/>
+          <p:cNvSpPr>
+            <a:spLocks noGrp="1"/>
+          </p:cNvSpPr>
+          <p:nvPr>
+            <p:ph type="subTitle" idx="1"/>
+          </p:nvPr>
+        </p:nvSpPr>
+        <p:spPr/>
+        <p:txBody>
+          <a:bodyPr/>
+          <a:lstStyle/>
+          <a:p>
+            <a:r>
+              <a:t>Chocolate is a usually sweet, brown food preparation of roasted and ground cacao seeds.</a:t>
+            </a:r>
+          </a:p>
+        </p:txBody>
+      </p:sp>
+    </p:spTree>
+  </p:cSld>
+  <p:clrMapOvr>
+    <a:masterClrMapping/>
+  </p:clrMapOvr>
+</p:sld>
+</file>
+
+<file path=ppt/slides/slide38.xml><?xml version="1.0" encoding="utf-8"?>
+<p:sld xmlns:a="http://schemas.openxmlformats.org/drawingml/2006/main" xmlns:p="http://schemas.openxmlformats.org/presentationml/2006/main" xmlns:r="http://schemas.openxmlformats.org/officeDocument/2006/relationships">
+  <p:cSld>
+    <p:spTree>
+      <p:nvGrpSpPr>
+        <p:cNvPr id="1" name=""/>
+        <p:cNvGrpSpPr/>
+        <p:nvPr/>
+      </p:nvGrpSpPr>
+      <p:grpSpPr/>
+      <p:sp>
+        <p:nvSpPr>
+          <p:cNvPr id="2" name="Title 1"/>
+          <p:cNvSpPr>
+            <a:spLocks noGrp="1"/>
+          </p:cNvSpPr>
+          <p:nvPr>
+            <p:ph type="ctrTitle"/>
+          </p:nvPr>
+        </p:nvSpPr>
+        <p:spPr/>
+        <p:txBody>
+          <a:bodyPr/>
+          <a:lstStyle/>
+          <a:p>
+            <a:r>
+              <a:t> </a:t>
+            </a:r>
+          </a:p>
+        </p:txBody>
+      </p:sp>
+      <p:sp>
+        <p:nvSpPr>
+          <p:cNvPr id="3" name="Subtitle 2"/>
+          <p:cNvSpPr>
+            <a:spLocks noGrp="1"/>
+          </p:cNvSpPr>
+          <p:nvPr>
+            <p:ph type="subTitle" idx="1"/>
+          </p:nvPr>
+        </p:nvSpPr>
+        <p:spPr/>
+        <p:txBody>
+          <a:bodyPr/>
+          <a:lstStyle/>
+          <a:p>
+            <a:r>
+              <a:t>Much of the chocolate consumed today is in the form of sweet chocolate, a combination of cocoa solids, cocoa butter or added vegetable oils, and sugar.</a:t>
+            </a:r>
+          </a:p>
+        </p:txBody>
+      </p:sp>
+    </p:spTree>
+  </p:cSld>
+  <p:clrMapOvr>
+    <a:masterClrMapping/>
+  </p:clrMapOvr>
+</p:sld>
+</file>
+
+<file path=ppt/slides/slide39.xml><?xml version="1.0" encoding="utf-8"?>
+<p:sld xmlns:a="http://schemas.openxmlformats.org/drawingml/2006/main" xmlns:p="http://schemas.openxmlformats.org/presentationml/2006/main" xmlns:r="http://schemas.openxmlformats.org/officeDocument/2006/relationships">
+  <p:cSld>
+    <p:spTree>
+      <p:nvGrpSpPr>
+        <p:cNvPr id="1" name=""/>
+        <p:cNvGrpSpPr/>
+        <p:nvPr/>
+      </p:nvGrpSpPr>
+      <p:grpSpPr/>
+      <p:sp>
+        <p:nvSpPr>
+          <p:cNvPr id="2" name="Title 1"/>
+          <p:cNvSpPr>
+            <a:spLocks noGrp="1"/>
+          </p:cNvSpPr>
+          <p:nvPr>
+            <p:ph type="ctrTitle"/>
+          </p:nvPr>
+        </p:nvSpPr>
+        <p:spPr/>
+        <p:txBody>
+          <a:bodyPr/>
+          <a:lstStyle/>
+          <a:p>
+            <a:r>
+              <a:t> </a:t>
+            </a:r>
+          </a:p>
+        </p:txBody>
+      </p:sp>
+      <p:sp>
+        <p:nvSpPr>
+          <p:cNvPr id="3" name="Subtitle 2"/>
+          <p:cNvSpPr>
+            <a:spLocks noGrp="1"/>
+          </p:cNvSpPr>
+          <p:nvPr>
+            <p:ph type="subTitle" idx="1"/>
+          </p:nvPr>
+        </p:nvSpPr>
+        <p:spPr/>
+        <p:txBody>
+          <a:bodyPr/>
+          <a:lstStyle/>
+          <a:p>
+            <a:r>
+              <a:t>They associated chocolate with Quetzalcoatl, who, according to one legend, was cast away by the other gods for sharing chocolate with humans, and identified its extrication from the pod with the removal of the human heart in sacrifice.</a:t>
             </a:r>
           </a:p>
         </p:txBody>
@@ -6905,7 +7133,7 @@
           <a:lstStyle/>
           <a:p>
             <a:r>
-              <a:t>explain!</a:t>
+              <a:t> </a:t>
             </a:r>
           </a:p>
         </p:txBody>
@@ -6926,7 +7154,611 @@
           <a:lstStyle/>
           <a:p>
             <a:r>
-              <a:t>A popcorn kernel's strong hull contains the seed's hard, starchy endosperm with 14–20% moisture, which turns to steam as the kernel is heated.</a:t>
+              <a:t>The earliest evidence of use traces to the Olmecs (Mexico), with evidence of chocolate beverages dating to 1900 BC.</a:t>
+            </a:r>
+          </a:p>
+        </p:txBody>
+      </p:sp>
+    </p:spTree>
+  </p:cSld>
+  <p:clrMapOvr>
+    <a:masterClrMapping/>
+  </p:clrMapOvr>
+</p:sld>
+</file>
+
+<file path=ppt/slides/slide40.xml><?xml version="1.0" encoding="utf-8"?>
+<p:sld xmlns:a="http://schemas.openxmlformats.org/drawingml/2006/main" xmlns:p="http://schemas.openxmlformats.org/presentationml/2006/main" xmlns:r="http://schemas.openxmlformats.org/officeDocument/2006/relationships">
+  <p:cSld>
+    <p:spTree>
+      <p:nvGrpSpPr>
+        <p:cNvPr id="1" name=""/>
+        <p:cNvGrpSpPr/>
+        <p:nvPr/>
+      </p:nvGrpSpPr>
+      <p:grpSpPr/>
+      <p:sp>
+        <p:nvSpPr>
+          <p:cNvPr id="2" name="Title 1"/>
+          <p:cNvSpPr>
+            <a:spLocks noGrp="1"/>
+          </p:cNvSpPr>
+          <p:nvPr>
+            <p:ph type="ctrTitle"/>
+          </p:nvPr>
+        </p:nvSpPr>
+        <p:spPr/>
+        <p:txBody>
+          <a:bodyPr/>
+          <a:lstStyle/>
+          <a:p>
+            <a:r>
+              <a:t> </a:t>
+            </a:r>
+          </a:p>
+        </p:txBody>
+      </p:sp>
+      <p:sp>
+        <p:nvSpPr>
+          <p:cNvPr id="3" name="Subtitle 2"/>
+          <p:cNvSpPr>
+            <a:spLocks noGrp="1"/>
+          </p:cNvSpPr>
+          <p:nvPr>
+            <p:ph type="subTitle" idx="1"/>
+          </p:nvPr>
+        </p:nvSpPr>
+        <p:spPr/>
+        <p:txBody>
+          <a:bodyPr/>
+          <a:lstStyle/>
+          <a:p>
+            <a:r>
+              <a:t>In contrast to the Maya, who liked their chocolate warm, the Aztecs drank it cold, seasoning it with a broad variety of additives, including the petals of the Cymbopetalum penduliflorum tree, chile pepper, allspice, vanilla, and honey.</a:t>
+            </a:r>
+          </a:p>
+        </p:txBody>
+      </p:sp>
+    </p:spTree>
+  </p:cSld>
+  <p:clrMapOvr>
+    <a:masterClrMapping/>
+  </p:clrMapOvr>
+</p:sld>
+</file>
+
+<file path=ppt/slides/slide41.xml><?xml version="1.0" encoding="utf-8"?>
+<p:sld xmlns:a="http://schemas.openxmlformats.org/drawingml/2006/main" xmlns:p="http://schemas.openxmlformats.org/presentationml/2006/main" xmlns:r="http://schemas.openxmlformats.org/officeDocument/2006/relationships">
+  <p:cSld>
+    <p:spTree>
+      <p:nvGrpSpPr>
+        <p:cNvPr id="1" name=""/>
+        <p:cNvGrpSpPr/>
+        <p:nvPr/>
+      </p:nvGrpSpPr>
+      <p:grpSpPr/>
+      <p:sp>
+        <p:nvSpPr>
+          <p:cNvPr id="2" name="Title 1"/>
+          <p:cNvSpPr>
+            <a:spLocks noGrp="1"/>
+          </p:cNvSpPr>
+          <p:nvPr>
+            <p:ph type="ctrTitle"/>
+          </p:nvPr>
+        </p:nvSpPr>
+        <p:spPr/>
+        <p:txBody>
+          <a:bodyPr/>
+          <a:lstStyle/>
+          <a:p>
+            <a:r>
+              <a:t> </a:t>
+            </a:r>
+          </a:p>
+        </p:txBody>
+      </p:sp>
+      <p:sp>
+        <p:nvSpPr>
+          <p:cNvPr id="3" name="Subtitle 2"/>
+          <p:cNvSpPr>
+            <a:spLocks noGrp="1"/>
+          </p:cNvSpPr>
+          <p:nvPr>
+            <p:ph type="subTitle" idx="1"/>
+          </p:nvPr>
+        </p:nvSpPr>
+        <p:spPr/>
+        <p:txBody>
+          <a:bodyPr/>
+          <a:lstStyle/>
+          <a:p>
+            <a:r>
+              <a:t>The Spanish royal chronicler Gonzalo Fernández de Oviedo described a chocolate drink he had seen in Nicaragua in 1528, mixed with achiote: "because those people are fond of drinking human blood, to make this beverage seem like blood, they add a little achiote, so that it then turns red.</a:t>
+            </a:r>
+          </a:p>
+        </p:txBody>
+      </p:sp>
+    </p:spTree>
+  </p:cSld>
+  <p:clrMapOvr>
+    <a:masterClrMapping/>
+  </p:clrMapOvr>
+</p:sld>
+</file>
+
+<file path=ppt/slides/slide42.xml><?xml version="1.0" encoding="utf-8"?>
+<p:sld xmlns:a="http://schemas.openxmlformats.org/drawingml/2006/main" xmlns:p="http://schemas.openxmlformats.org/presentationml/2006/main" xmlns:r="http://schemas.openxmlformats.org/officeDocument/2006/relationships">
+  <p:cSld>
+    <p:spTree>
+      <p:nvGrpSpPr>
+        <p:cNvPr id="1" name=""/>
+        <p:cNvGrpSpPr/>
+        <p:nvPr/>
+      </p:nvGrpSpPr>
+      <p:grpSpPr/>
+      <p:sp>
+        <p:nvSpPr>
+          <p:cNvPr id="2" name="Title 1"/>
+          <p:cNvSpPr>
+            <a:spLocks noGrp="1"/>
+          </p:cNvSpPr>
+          <p:nvPr>
+            <p:ph type="ctrTitle"/>
+          </p:nvPr>
+        </p:nvSpPr>
+        <p:spPr/>
+        <p:txBody>
+          <a:bodyPr/>
+          <a:lstStyle/>
+          <a:p>
+            <a:r>
+              <a:t> </a:t>
+            </a:r>
+          </a:p>
+        </p:txBody>
+      </p:sp>
+      <p:sp>
+        <p:nvSpPr>
+          <p:cNvPr id="3" name="Subtitle 2"/>
+          <p:cNvSpPr>
+            <a:spLocks noGrp="1"/>
+          </p:cNvSpPr>
+          <p:nvPr>
+            <p:ph type="subTitle" idx="1"/>
+          </p:nvPr>
+        </p:nvSpPr>
+        <p:spPr/>
+        <p:txBody>
+          <a:bodyPr/>
+          <a:lstStyle/>
+          <a:p>
+            <a:r>
+              <a:t>A few years thereafter, in 1828, he created a press to remove about half the natural fat (cocoa butter or cacao butter) from chocolate liquor, which made chocolate both cheaper to produce and more consistent in quality.</a:t>
+            </a:r>
+          </a:p>
+        </p:txBody>
+      </p:sp>
+    </p:spTree>
+  </p:cSld>
+  <p:clrMapOvr>
+    <a:masterClrMapping/>
+  </p:clrMapOvr>
+</p:sld>
+</file>
+
+<file path=ppt/slides/slide43.xml><?xml version="1.0" encoding="utf-8"?>
+<p:sld xmlns:a="http://schemas.openxmlformats.org/drawingml/2006/main" xmlns:p="http://schemas.openxmlformats.org/presentationml/2006/main" xmlns:r="http://schemas.openxmlformats.org/officeDocument/2006/relationships">
+  <p:cSld>
+    <p:spTree>
+      <p:nvGrpSpPr>
+        <p:cNvPr id="1" name=""/>
+        <p:cNvGrpSpPr/>
+        <p:nvPr/>
+      </p:nvGrpSpPr>
+      <p:grpSpPr/>
+      <p:sp>
+        <p:nvSpPr>
+          <p:cNvPr id="2" name="Title 1"/>
+          <p:cNvSpPr>
+            <a:spLocks noGrp="1"/>
+          </p:cNvSpPr>
+          <p:nvPr>
+            <p:ph type="ctrTitle"/>
+          </p:nvPr>
+        </p:nvSpPr>
+        <p:spPr/>
+        <p:txBody>
+          <a:bodyPr/>
+          <a:lstStyle/>
+          <a:p>
+            <a:r>
+              <a:t> </a:t>
+            </a:r>
+          </a:p>
+        </p:txBody>
+      </p:sp>
+      <p:sp>
+        <p:nvSpPr>
+          <p:cNvPr id="3" name="Subtitle 2"/>
+          <p:cNvSpPr>
+            <a:spLocks noGrp="1"/>
+          </p:cNvSpPr>
+          <p:nvPr>
+            <p:ph type="subTitle" idx="1"/>
+          </p:nvPr>
+        </p:nvSpPr>
+        <p:spPr/>
+        <p:txBody>
+          <a:bodyPr/>
+          <a:lstStyle/>
+          <a:p>
+            <a:r>
+              <a:t>Subsequently, his chocolate factory, Fry's of Bristol, England, began mass-producing chocolate bars, Fry's Chocolate Cream, launched in 1866, and they became very popular.</a:t>
+            </a:r>
+          </a:p>
+        </p:txBody>
+      </p:sp>
+    </p:spTree>
+  </p:cSld>
+  <p:clrMapOvr>
+    <a:masterClrMapping/>
+  </p:clrMapOvr>
+</p:sld>
+</file>
+
+<file path=ppt/slides/slide44.xml><?xml version="1.0" encoding="utf-8"?>
+<p:sld xmlns:a="http://schemas.openxmlformats.org/drawingml/2006/main" xmlns:p="http://schemas.openxmlformats.org/presentationml/2006/main" xmlns:r="http://schemas.openxmlformats.org/officeDocument/2006/relationships">
+  <p:cSld>
+    <p:spTree>
+      <p:nvGrpSpPr>
+        <p:cNvPr id="1" name=""/>
+        <p:cNvGrpSpPr/>
+        <p:nvPr/>
+      </p:nvGrpSpPr>
+      <p:grpSpPr/>
+      <p:sp>
+        <p:nvSpPr>
+          <p:cNvPr id="2" name="Title 1"/>
+          <p:cNvSpPr>
+            <a:spLocks noGrp="1"/>
+          </p:cNvSpPr>
+          <p:nvPr>
+            <p:ph type="ctrTitle"/>
+          </p:nvPr>
+        </p:nvSpPr>
+        <p:spPr/>
+        <p:txBody>
+          <a:bodyPr/>
+          <a:lstStyle/>
+          <a:p>
+            <a:r>
+              <a:t> </a:t>
+            </a:r>
+          </a:p>
+        </p:txBody>
+      </p:sp>
+      <p:sp>
+        <p:nvSpPr>
+          <p:cNvPr id="3" name="Subtitle 2"/>
+          <p:cNvSpPr>
+            <a:spLocks noGrp="1"/>
+          </p:cNvSpPr>
+          <p:nvPr>
+            <p:ph type="subTitle" idx="1"/>
+          </p:nvPr>
+        </p:nvSpPr>
+        <p:spPr/>
+        <p:txBody>
+          <a:bodyPr/>
+          <a:lstStyle/>
+          <a:p>
+            <a:r>
+              <a:t>Due to concerns about global warming effects on lowland climate in the narrow band of latitudes where cacao is grown (20 degrees north and south of the equator), the commercial company Mars, Incorporated and the University of California, Berkeley are conducting genomic research in 2017–18 to improve the survivability of cacao plants in hot climates.</a:t>
+            </a:r>
+          </a:p>
+        </p:txBody>
+      </p:sp>
+    </p:spTree>
+  </p:cSld>
+  <p:clrMapOvr>
+    <a:masterClrMapping/>
+  </p:clrMapOvr>
+</p:sld>
+</file>
+
+<file path=ppt/slides/slide45.xml><?xml version="1.0" encoding="utf-8"?>
+<p:sld xmlns:a="http://schemas.openxmlformats.org/drawingml/2006/main" xmlns:p="http://schemas.openxmlformats.org/presentationml/2006/main" xmlns:r="http://schemas.openxmlformats.org/officeDocument/2006/relationships">
+  <p:cSld>
+    <p:spTree>
+      <p:nvGrpSpPr>
+        <p:cNvPr id="1" name=""/>
+        <p:cNvGrpSpPr/>
+        <p:nvPr/>
+      </p:nvGrpSpPr>
+      <p:grpSpPr/>
+      <p:sp>
+        <p:nvSpPr>
+          <p:cNvPr id="2" name="Title 1"/>
+          <p:cNvSpPr>
+            <a:spLocks noGrp="1"/>
+          </p:cNvSpPr>
+          <p:nvPr>
+            <p:ph type="ctrTitle"/>
+          </p:nvPr>
+        </p:nvSpPr>
+        <p:spPr/>
+        <p:txBody>
+          <a:bodyPr/>
+          <a:lstStyle/>
+          <a:p>
+            <a:r>
+              <a:t> </a:t>
+            </a:r>
+          </a:p>
+        </p:txBody>
+      </p:sp>
+      <p:sp>
+        <p:nvSpPr>
+          <p:cNvPr id="3" name="Subtitle 2"/>
+          <p:cNvSpPr>
+            <a:spLocks noGrp="1"/>
+          </p:cNvSpPr>
+          <p:nvPr>
+            <p:ph type="subTitle" idx="1"/>
+          </p:nvPr>
+        </p:nvSpPr>
+        <p:spPr/>
+        <p:txBody>
+          <a:bodyPr/>
+          <a:lstStyle/>
+          <a:p>
+            <a:r>
+              <a:t>The basic blends of ingredients for the various types of chocolate (in order of highest quantity of cocoa liquor first), are:</a:t>
+            </a:r>
+            <a:br/>
+            <a:r>
+              <a:t>Usually, an emulsifying agent, such as soy lecithin, is added, though a few manufacturers prefer to exclude this ingredient for purity reasons and to remain GMO-free, sometimes at the cost of a perfectly smooth texture.</a:t>
+            </a:r>
+          </a:p>
+        </p:txBody>
+      </p:sp>
+    </p:spTree>
+  </p:cSld>
+  <p:clrMapOvr>
+    <a:masterClrMapping/>
+  </p:clrMapOvr>
+</p:sld>
+</file>
+
+<file path=ppt/slides/slide46.xml><?xml version="1.0" encoding="utf-8"?>
+<p:sld xmlns:a="http://schemas.openxmlformats.org/drawingml/2006/main" xmlns:p="http://schemas.openxmlformats.org/presentationml/2006/main" xmlns:r="http://schemas.openxmlformats.org/officeDocument/2006/relationships">
+  <p:cSld>
+    <p:spTree>
+      <p:nvGrpSpPr>
+        <p:cNvPr id="1" name=""/>
+        <p:cNvGrpSpPr/>
+        <p:nvPr/>
+      </p:nvGrpSpPr>
+      <p:grpSpPr/>
+      <p:sp>
+        <p:nvSpPr>
+          <p:cNvPr id="2" name="Title 1"/>
+          <p:cNvSpPr>
+            <a:spLocks noGrp="1"/>
+          </p:cNvSpPr>
+          <p:nvPr>
+            <p:ph type="ctrTitle"/>
+          </p:nvPr>
+        </p:nvSpPr>
+        <p:spPr/>
+        <p:txBody>
+          <a:bodyPr/>
+          <a:lstStyle/>
+          <a:p>
+            <a:r>
+              <a:t> </a:t>
+            </a:r>
+          </a:p>
+        </p:txBody>
+      </p:sp>
+      <p:sp>
+        <p:nvSpPr>
+          <p:cNvPr id="3" name="Subtitle 2"/>
+          <p:cNvSpPr>
+            <a:spLocks noGrp="1"/>
+          </p:cNvSpPr>
+          <p:nvPr>
+            <p:ph type="subTitle" idx="1"/>
+          </p:nvPr>
+        </p:nvSpPr>
+        <p:spPr/>
+        <p:txBody>
+          <a:bodyPr/>
+          <a:lstStyle/>
+          <a:p>
+            <a:r>
+              <a:t>In 2007, the Chocolate Manufacturers Association in the United States, whose members include Hershey, Nestlé, and Archer Daniels Midland, lobbied the Food and Drug Administration (FDA) to change the legal definition of chocolate to let them substitute partially hydrogenated vegetable oils for cocoa butter, in addition to using artificial sweeteners and milk substitutes.</a:t>
+            </a:r>
+          </a:p>
+        </p:txBody>
+      </p:sp>
+    </p:spTree>
+  </p:cSld>
+  <p:clrMapOvr>
+    <a:masterClrMapping/>
+  </p:clrMapOvr>
+</p:sld>
+</file>
+
+<file path=ppt/slides/slide47.xml><?xml version="1.0" encoding="utf-8"?>
+<p:sld xmlns:a="http://schemas.openxmlformats.org/drawingml/2006/main" xmlns:p="http://schemas.openxmlformats.org/presentationml/2006/main" xmlns:r="http://schemas.openxmlformats.org/officeDocument/2006/relationships">
+  <p:cSld>
+    <p:spTree>
+      <p:nvGrpSpPr>
+        <p:cNvPr id="1" name=""/>
+        <p:cNvGrpSpPr/>
+        <p:nvPr/>
+      </p:nvGrpSpPr>
+      <p:grpSpPr/>
+      <p:sp>
+        <p:nvSpPr>
+          <p:cNvPr id="2" name="Title 1"/>
+          <p:cNvSpPr>
+            <a:spLocks noGrp="1"/>
+          </p:cNvSpPr>
+          <p:nvPr>
+            <p:ph type="ctrTitle"/>
+          </p:nvPr>
+        </p:nvSpPr>
+        <p:spPr/>
+        <p:txBody>
+          <a:bodyPr/>
+          <a:lstStyle/>
+          <a:p>
+            <a:r>
+              <a:t> </a:t>
+            </a:r>
+          </a:p>
+        </p:txBody>
+      </p:sp>
+      <p:sp>
+        <p:nvSpPr>
+          <p:cNvPr id="3" name="Subtitle 2"/>
+          <p:cNvSpPr>
+            <a:spLocks noGrp="1"/>
+          </p:cNvSpPr>
+          <p:nvPr>
+            <p:ph type="subTitle" idx="1"/>
+          </p:nvPr>
+        </p:nvSpPr>
+        <p:spPr/>
+        <p:txBody>
+          <a:bodyPr/>
+          <a:lstStyle/>
+          <a:p>
+            <a:r>
+              <a:t>According to Canadian Food and Drug Regulations, a "chocolate product" is a food product that is sourced from at least one "cocoa product" and contains at least one of the following: "chocolate, bittersweet chocolate, semi-sweet chocolate, dark chocolate, sweet chocolate, milk chocolate, or white chocolate".</a:t>
+            </a:r>
+          </a:p>
+        </p:txBody>
+      </p:sp>
+    </p:spTree>
+  </p:cSld>
+  <p:clrMapOvr>
+    <a:masterClrMapping/>
+  </p:clrMapOvr>
+</p:sld>
+</file>
+
+<file path=ppt/slides/slide48.xml><?xml version="1.0" encoding="utf-8"?>
+<p:sld xmlns:a="http://schemas.openxmlformats.org/drawingml/2006/main" xmlns:p="http://schemas.openxmlformats.org/presentationml/2006/main" xmlns:r="http://schemas.openxmlformats.org/officeDocument/2006/relationships">
+  <p:cSld>
+    <p:spTree>
+      <p:nvGrpSpPr>
+        <p:cNvPr id="1" name=""/>
+        <p:cNvGrpSpPr/>
+        <p:nvPr/>
+      </p:nvGrpSpPr>
+      <p:grpSpPr/>
+      <p:sp>
+        <p:nvSpPr>
+          <p:cNvPr id="2" name="Title 1"/>
+          <p:cNvSpPr>
+            <a:spLocks noGrp="1"/>
+          </p:cNvSpPr>
+          <p:nvPr>
+            <p:ph type="ctrTitle"/>
+          </p:nvPr>
+        </p:nvSpPr>
+        <p:spPr/>
+        <p:txBody>
+          <a:bodyPr/>
+          <a:lstStyle/>
+          <a:p>
+            <a:r>
+              <a:t> </a:t>
+            </a:r>
+          </a:p>
+        </p:txBody>
+      </p:sp>
+      <p:sp>
+        <p:nvSpPr>
+          <p:cNvPr id="3" name="Subtitle 2"/>
+          <p:cNvSpPr>
+            <a:spLocks noGrp="1"/>
+          </p:cNvSpPr>
+          <p:nvPr>
+            <p:ph type="subTitle" idx="1"/>
+          </p:nvPr>
+        </p:nvSpPr>
+        <p:spPr/>
+        <p:txBody>
+          <a:bodyPr/>
+          <a:lstStyle/>
+          <a:p>
+            <a:r>
+              <a:t>The temperature in which the crystals obtain enough energy to break apart from their rigid conformation would depend on the milk fat content in the chocolate and the shape of the fat molecules, as well as the form of the cocoa butter fat.</a:t>
+            </a:r>
+          </a:p>
+        </p:txBody>
+      </p:sp>
+    </p:spTree>
+  </p:cSld>
+  <p:clrMapOvr>
+    <a:masterClrMapping/>
+  </p:clrMapOvr>
+</p:sld>
+</file>
+
+<file path=ppt/slides/slide49.xml><?xml version="1.0" encoding="utf-8"?>
+<p:sld xmlns:a="http://schemas.openxmlformats.org/drawingml/2006/main" xmlns:p="http://schemas.openxmlformats.org/presentationml/2006/main" xmlns:r="http://schemas.openxmlformats.org/officeDocument/2006/relationships">
+  <p:cSld>
+    <p:spTree>
+      <p:nvGrpSpPr>
+        <p:cNvPr id="1" name=""/>
+        <p:cNvGrpSpPr/>
+        <p:nvPr/>
+      </p:nvGrpSpPr>
+      <p:grpSpPr/>
+      <p:sp>
+        <p:nvSpPr>
+          <p:cNvPr id="2" name="Title 1"/>
+          <p:cNvSpPr>
+            <a:spLocks noGrp="1"/>
+          </p:cNvSpPr>
+          <p:nvPr>
+            <p:ph type="ctrTitle"/>
+          </p:nvPr>
+        </p:nvSpPr>
+        <p:spPr/>
+        <p:txBody>
+          <a:bodyPr/>
+          <a:lstStyle/>
+          <a:p>
+            <a:r>
+              <a:t> </a:t>
+            </a:r>
+          </a:p>
+        </p:txBody>
+      </p:sp>
+      <p:sp>
+        <p:nvSpPr>
+          <p:cNvPr id="3" name="Subtitle 2"/>
+          <p:cNvSpPr>
+            <a:spLocks noGrp="1"/>
+          </p:cNvSpPr>
+          <p:nvPr>
+            <p:ph type="subTitle" idx="1"/>
+          </p:nvPr>
+        </p:nvSpPr>
+        <p:spPr/>
+        <p:txBody>
+          <a:bodyPr/>
+          <a:lstStyle/>
+          <a:p>
+            <a:r>
+              <a:t>In the United States, some large chocolate manufacturers lobbied the federal government to permit confections containing cheaper hydrogenated vegetable oil in place of cocoa butter to be sold as "chocolate".</a:t>
             </a:r>
           </a:p>
         </p:txBody>
@@ -6965,7 +7797,7 @@
           <a:lstStyle/>
           <a:p>
             <a:r>
-              <a:t>explain!</a:t>
+              <a:t> </a:t>
             </a:r>
           </a:p>
         </p:txBody>
@@ -6986,7 +7818,635 @@
           <a:lstStyle/>
           <a:p>
             <a:r>
-              <a:t>Pressure from the steam continues to build until the hull ruptures, allowing the kernel to forcefully expand from 20 to 50 times its original size—and finally, cool.</a:t>
+              <a:t>An early Classic-period (460–480 AD) Mayan tomb from the site in Rio Azul had vessels with the Maya glyph for cacao on them with residue of a chocolate drink, suggests the Maya were drinking chocolate around 400 AD.</a:t>
+            </a:r>
+          </a:p>
+        </p:txBody>
+      </p:sp>
+    </p:spTree>
+  </p:cSld>
+  <p:clrMapOvr>
+    <a:masterClrMapping/>
+  </p:clrMapOvr>
+</p:sld>
+</file>
+
+<file path=ppt/slides/slide50.xml><?xml version="1.0" encoding="utf-8"?>
+<p:sld xmlns:a="http://schemas.openxmlformats.org/drawingml/2006/main" xmlns:p="http://schemas.openxmlformats.org/presentationml/2006/main" xmlns:r="http://schemas.openxmlformats.org/officeDocument/2006/relationships">
+  <p:cSld>
+    <p:spTree>
+      <p:nvGrpSpPr>
+        <p:cNvPr id="1" name=""/>
+        <p:cNvGrpSpPr/>
+        <p:nvPr/>
+      </p:nvGrpSpPr>
+      <p:grpSpPr/>
+      <p:sp>
+        <p:nvSpPr>
+          <p:cNvPr id="2" name="Title 1"/>
+          <p:cNvSpPr>
+            <a:spLocks noGrp="1"/>
+          </p:cNvSpPr>
+          <p:nvPr>
+            <p:ph type="ctrTitle"/>
+          </p:nvPr>
+        </p:nvSpPr>
+        <p:spPr/>
+        <p:txBody>
+          <a:bodyPr/>
+          <a:lstStyle/>
+          <a:p>
+            <a:r>
+              <a:t> </a:t>
+            </a:r>
+          </a:p>
+        </p:txBody>
+      </p:sp>
+      <p:sp>
+        <p:nvSpPr>
+          <p:cNvPr id="3" name="Subtitle 2"/>
+          <p:cNvSpPr>
+            <a:spLocks noGrp="1"/>
+          </p:cNvSpPr>
+          <p:nvPr>
+            <p:ph type="subTitle" idx="1"/>
+          </p:nvPr>
+        </p:nvSpPr>
+        <p:spPr/>
+        <p:txBody>
+          <a:bodyPr/>
+          <a:lstStyle/>
+          <a:p>
+            <a:r>
+              <a:t>Nestlé acquired Rowntree's in 1988 and now markets chocolates under their own brand, including Smarties (a chocolate candy) and Kit Kat (a candy bar); Kraft Foods through its 1990 acquisition of Jacobs Suchard, now owns Milka and Suchard.</a:t>
+            </a:r>
+          </a:p>
+        </p:txBody>
+      </p:sp>
+    </p:spTree>
+  </p:cSld>
+  <p:clrMapOvr>
+    <a:masterClrMapping/>
+  </p:clrMapOvr>
+</p:sld>
+</file>
+
+<file path=ppt/slides/slide51.xml><?xml version="1.0" encoding="utf-8"?>
+<p:sld xmlns:a="http://schemas.openxmlformats.org/drawingml/2006/main" xmlns:p="http://schemas.openxmlformats.org/presentationml/2006/main" xmlns:r="http://schemas.openxmlformats.org/officeDocument/2006/relationships">
+  <p:cSld>
+    <p:spTree>
+      <p:nvGrpSpPr>
+        <p:cNvPr id="1" name=""/>
+        <p:cNvGrpSpPr/>
+        <p:nvPr/>
+      </p:nvGrpSpPr>
+      <p:grpSpPr/>
+      <p:sp>
+        <p:nvSpPr>
+          <p:cNvPr id="2" name="Title 1"/>
+          <p:cNvSpPr>
+            <a:spLocks noGrp="1"/>
+          </p:cNvSpPr>
+          <p:nvPr>
+            <p:ph type="ctrTitle"/>
+          </p:nvPr>
+        </p:nvSpPr>
+        <p:spPr/>
+        <p:txBody>
+          <a:bodyPr/>
+          <a:lstStyle/>
+          <a:p>
+            <a:r>
+              <a:t> </a:t>
+            </a:r>
+          </a:p>
+        </p:txBody>
+      </p:sp>
+      <p:sp>
+        <p:nvSpPr>
+          <p:cNvPr id="3" name="Subtitle 2"/>
+          <p:cNvSpPr>
+            <a:spLocks noGrp="1"/>
+          </p:cNvSpPr>
+          <p:nvPr>
+            <p:ph type="subTitle" idx="1"/>
+          </p:nvPr>
+        </p:nvSpPr>
+        <p:spPr/>
+        <p:txBody>
+          <a:bodyPr/>
+          <a:lstStyle/>
+          <a:p>
+            <a:r>
+              <a:t> </a:t>
+            </a:r>
+          </a:p>
+        </p:txBody>
+      </p:sp>
+      <p:pic>
+        <p:nvPicPr>
+          <p:cNvPr id="4" name="Picture 3" descr="image2.jpg"/>
+          <p:cNvPicPr>
+            <a:picLocks noChangeAspect="1"/>
+          </p:cNvPicPr>
+          <p:nvPr/>
+        </p:nvPicPr>
+        <p:blipFill>
+          <a:blip r:embed="rId2"/>
+          <a:stretch>
+            <a:fillRect/>
+          </a:stretch>
+        </p:blipFill>
+        <p:spPr>
+          <a:xfrm>
+            <a:off x="914400" y="1828800"/>
+            <a:ext cx="2438400" cy="3657600"/>
+          </a:xfrm>
+          <a:prstGeom prst="rect">
+            <a:avLst/>
+          </a:prstGeom>
+        </p:spPr>
+      </p:pic>
+    </p:spTree>
+  </p:cSld>
+  <p:clrMapOvr>
+    <a:masterClrMapping/>
+  </p:clrMapOvr>
+</p:sld>
+</file>
+
+<file path=ppt/slides/slide52.xml><?xml version="1.0" encoding="utf-8"?>
+<p:sld xmlns:a="http://schemas.openxmlformats.org/drawingml/2006/main" xmlns:p="http://schemas.openxmlformats.org/presentationml/2006/main" xmlns:r="http://schemas.openxmlformats.org/officeDocument/2006/relationships">
+  <p:cSld>
+    <p:spTree>
+      <p:nvGrpSpPr>
+        <p:cNvPr id="1" name=""/>
+        <p:cNvGrpSpPr/>
+        <p:nvPr/>
+      </p:nvGrpSpPr>
+      <p:grpSpPr/>
+      <p:sp>
+        <p:nvSpPr>
+          <p:cNvPr id="2" name="Title 1"/>
+          <p:cNvSpPr>
+            <a:spLocks noGrp="1"/>
+          </p:cNvSpPr>
+          <p:nvPr>
+            <p:ph type="ctrTitle"/>
+          </p:nvPr>
+        </p:nvSpPr>
+        <p:spPr/>
+        <p:txBody>
+          <a:bodyPr/>
+          <a:lstStyle/>
+          <a:p>
+            <a:r>
+              <a:t>DISADVANTAGES</a:t>
+            </a:r>
+          </a:p>
+        </p:txBody>
+      </p:sp>
+      <p:sp>
+        <p:nvSpPr>
+          <p:cNvPr id="3" name="Subtitle 2"/>
+          <p:cNvSpPr>
+            <a:spLocks noGrp="1"/>
+          </p:cNvSpPr>
+          <p:nvPr>
+            <p:ph type="subTitle" idx="1"/>
+          </p:nvPr>
+        </p:nvSpPr>
+        <p:spPr/>
+        <p:txBody>
+          <a:bodyPr/>
+          <a:lstStyle/>
+          <a:p>
+            <a:r>
+              <a:t> </a:t>
+            </a:r>
+          </a:p>
+        </p:txBody>
+      </p:sp>
+    </p:spTree>
+  </p:cSld>
+  <p:clrMapOvr>
+    <a:masterClrMapping/>
+  </p:clrMapOvr>
+</p:sld>
+</file>
+
+<file path=ppt/slides/slide53.xml><?xml version="1.0" encoding="utf-8"?>
+<p:sld xmlns:a="http://schemas.openxmlformats.org/drawingml/2006/main" xmlns:p="http://schemas.openxmlformats.org/presentationml/2006/main" xmlns:r="http://schemas.openxmlformats.org/officeDocument/2006/relationships">
+  <p:cSld>
+    <p:spTree>
+      <p:nvGrpSpPr>
+        <p:cNvPr id="1" name=""/>
+        <p:cNvGrpSpPr/>
+        <p:nvPr/>
+      </p:nvGrpSpPr>
+      <p:grpSpPr/>
+      <p:sp>
+        <p:nvSpPr>
+          <p:cNvPr id="2" name="Title 1"/>
+          <p:cNvSpPr>
+            <a:spLocks noGrp="1"/>
+          </p:cNvSpPr>
+          <p:nvPr>
+            <p:ph type="ctrTitle"/>
+          </p:nvPr>
+        </p:nvSpPr>
+        <p:spPr/>
+        <p:txBody>
+          <a:bodyPr/>
+          <a:lstStyle/>
+          <a:p>
+            <a:r>
+              <a:t> </a:t>
+            </a:r>
+          </a:p>
+        </p:txBody>
+      </p:sp>
+      <p:sp>
+        <p:nvSpPr>
+          <p:cNvPr id="3" name="Subtitle 2"/>
+          <p:cNvSpPr>
+            <a:spLocks noGrp="1"/>
+          </p:cNvSpPr>
+          <p:nvPr>
+            <p:ph type="subTitle" idx="1"/>
+          </p:nvPr>
+        </p:nvSpPr>
+        <p:spPr/>
+        <p:txBody>
+          <a:bodyPr/>
+          <a:lstStyle/>
+          <a:p>
+            <a:r>
+              <a:t>It is made in the form of a liquid, paste, or in a block, or used as a flavoring ingredient in other foods.</a:t>
+            </a:r>
+          </a:p>
+        </p:txBody>
+      </p:sp>
+    </p:spTree>
+  </p:cSld>
+  <p:clrMapOvr>
+    <a:masterClrMapping/>
+  </p:clrMapOvr>
+</p:sld>
+</file>
+
+<file path=ppt/slides/slide54.xml><?xml version="1.0" encoding="utf-8"?>
+<p:sld xmlns:a="http://schemas.openxmlformats.org/drawingml/2006/main" xmlns:p="http://schemas.openxmlformats.org/presentationml/2006/main" xmlns:r="http://schemas.openxmlformats.org/officeDocument/2006/relationships">
+  <p:cSld>
+    <p:spTree>
+      <p:nvGrpSpPr>
+        <p:cNvPr id="1" name=""/>
+        <p:cNvGrpSpPr/>
+        <p:nvPr/>
+      </p:nvGrpSpPr>
+      <p:grpSpPr/>
+      <p:sp>
+        <p:nvSpPr>
+          <p:cNvPr id="2" name="Title 1"/>
+          <p:cNvSpPr>
+            <a:spLocks noGrp="1"/>
+          </p:cNvSpPr>
+          <p:nvPr>
+            <p:ph type="ctrTitle"/>
+          </p:nvPr>
+        </p:nvSpPr>
+        <p:spPr/>
+        <p:txBody>
+          <a:bodyPr/>
+          <a:lstStyle/>
+          <a:p>
+            <a:r>
+              <a:t> </a:t>
+            </a:r>
+          </a:p>
+        </p:txBody>
+      </p:sp>
+      <p:sp>
+        <p:nvSpPr>
+          <p:cNvPr id="3" name="Subtitle 2"/>
+          <p:cNvSpPr>
+            <a:spLocks noGrp="1"/>
+          </p:cNvSpPr>
+          <p:nvPr>
+            <p:ph type="subTitle" idx="1"/>
+          </p:nvPr>
+        </p:nvSpPr>
+        <p:spPr/>
+        <p:txBody>
+          <a:bodyPr/>
+          <a:lstStyle/>
+          <a:p>
+            <a:r>
+              <a:t>Jose de Acosta, a Spanish Jesuit missionary who lived in Peru and then Mexico in the later 16th century, wrote of its growing influence on the Spaniards:</a:t>
+            </a:r>
+            <a:br/>
+            <a:r>
+              <a:t>Loathsome to such as are not acquainted with it, having a scum or froth that is very unpleasant to taste.</a:t>
+            </a:r>
+          </a:p>
+        </p:txBody>
+      </p:sp>
+    </p:spTree>
+  </p:cSld>
+  <p:clrMapOvr>
+    <a:masterClrMapping/>
+  </p:clrMapOvr>
+</p:sld>
+</file>
+
+<file path=ppt/slides/slide55.xml><?xml version="1.0" encoding="utf-8"?>
+<p:sld xmlns:a="http://schemas.openxmlformats.org/drawingml/2006/main" xmlns:p="http://schemas.openxmlformats.org/presentationml/2006/main" xmlns:r="http://schemas.openxmlformats.org/officeDocument/2006/relationships">
+  <p:cSld>
+    <p:spTree>
+      <p:nvGrpSpPr>
+        <p:cNvPr id="1" name=""/>
+        <p:cNvGrpSpPr/>
+        <p:nvPr/>
+      </p:nvGrpSpPr>
+      <p:grpSpPr/>
+      <p:sp>
+        <p:nvSpPr>
+          <p:cNvPr id="2" name="Title 1"/>
+          <p:cNvSpPr>
+            <a:spLocks noGrp="1"/>
+          </p:cNvSpPr>
+          <p:nvPr>
+            <p:ph type="ctrTitle"/>
+          </p:nvPr>
+        </p:nvSpPr>
+        <p:spPr/>
+        <p:txBody>
+          <a:bodyPr/>
+          <a:lstStyle/>
+          <a:p>
+            <a:r>
+              <a:t> </a:t>
+            </a:r>
+          </a:p>
+        </p:txBody>
+      </p:sp>
+      <p:sp>
+        <p:nvSpPr>
+          <p:cNvPr id="3" name="Subtitle 2"/>
+          <p:cNvSpPr>
+            <a:spLocks noGrp="1"/>
+          </p:cNvSpPr>
+          <p:nvPr>
+            <p:ph type="subTitle" idx="1"/>
+          </p:nvPr>
+        </p:nvSpPr>
+        <p:spPr/>
+        <p:txBody>
+          <a:bodyPr/>
+          <a:lstStyle/>
+          <a:p>
+            <a:r>
+              <a:t>Poorly tempered or untempered chocolate may have whitish spots on the dark chocolate part, called chocolate bloom; it is an indication that sugar and/or fat has separated due to poor storage.</a:t>
+            </a:r>
+          </a:p>
+        </p:txBody>
+      </p:sp>
+    </p:spTree>
+  </p:cSld>
+  <p:clrMapOvr>
+    <a:masterClrMapping/>
+  </p:clrMapOvr>
+</p:sld>
+</file>
+
+<file path=ppt/slides/slide56.xml><?xml version="1.0" encoding="utf-8"?>
+<p:sld xmlns:a="http://schemas.openxmlformats.org/drawingml/2006/main" xmlns:p="http://schemas.openxmlformats.org/presentationml/2006/main" xmlns:r="http://schemas.openxmlformats.org/officeDocument/2006/relationships">
+  <p:cSld>
+    <p:spTree>
+      <p:nvGrpSpPr>
+        <p:cNvPr id="1" name=""/>
+        <p:cNvGrpSpPr/>
+        <p:nvPr/>
+      </p:nvGrpSpPr>
+      <p:grpSpPr/>
+      <p:sp>
+        <p:nvSpPr>
+          <p:cNvPr id="2" name="Title 1"/>
+          <p:cNvSpPr>
+            <a:spLocks noGrp="1"/>
+          </p:cNvSpPr>
+          <p:nvPr>
+            <p:ph type="ctrTitle"/>
+          </p:nvPr>
+        </p:nvSpPr>
+        <p:spPr/>
+        <p:txBody>
+          <a:bodyPr/>
+          <a:lstStyle/>
+          <a:p>
+            <a:r>
+              <a:t> </a:t>
+            </a:r>
+          </a:p>
+        </p:txBody>
+      </p:sp>
+      <p:sp>
+        <p:nvSpPr>
+          <p:cNvPr id="3" name="Subtitle 2"/>
+          <p:cNvSpPr>
+            <a:spLocks noGrp="1"/>
+          </p:cNvSpPr>
+          <p:nvPr>
+            <p:ph type="subTitle" idx="1"/>
+          </p:nvPr>
+        </p:nvSpPr>
+        <p:spPr/>
+        <p:txBody>
+          <a:bodyPr/>
+          <a:lstStyle/>
+          <a:p>
+            <a:r>
+              <a:t>Cocoa growers object to allowing the resulting food to be called "chocolate", due to the risk of lower demand for their crops.</a:t>
+            </a:r>
+          </a:p>
+        </p:txBody>
+      </p:sp>
+    </p:spTree>
+  </p:cSld>
+  <p:clrMapOvr>
+    <a:masterClrMapping/>
+  </p:clrMapOvr>
+</p:sld>
+</file>
+
+<file path=ppt/slides/slide57.xml><?xml version="1.0" encoding="utf-8"?>
+<p:sld xmlns:a="http://schemas.openxmlformats.org/drawingml/2006/main" xmlns:p="http://schemas.openxmlformats.org/presentationml/2006/main" xmlns:r="http://schemas.openxmlformats.org/officeDocument/2006/relationships">
+  <p:cSld>
+    <p:spTree>
+      <p:nvGrpSpPr>
+        <p:cNvPr id="1" name=""/>
+        <p:cNvGrpSpPr/>
+        <p:nvPr/>
+      </p:nvGrpSpPr>
+      <p:grpSpPr/>
+      <p:sp>
+        <p:nvSpPr>
+          <p:cNvPr id="2" name="Title 1"/>
+          <p:cNvSpPr>
+            <a:spLocks noGrp="1"/>
+          </p:cNvSpPr>
+          <p:nvPr>
+            <p:ph type="ctrTitle"/>
+          </p:nvPr>
+        </p:nvSpPr>
+        <p:spPr/>
+        <p:txBody>
+          <a:bodyPr/>
+          <a:lstStyle/>
+          <a:p>
+            <a:r>
+              <a:t> </a:t>
+            </a:r>
+          </a:p>
+        </p:txBody>
+      </p:sp>
+      <p:sp>
+        <p:nvSpPr>
+          <p:cNvPr id="3" name="Subtitle 2"/>
+          <p:cNvSpPr>
+            <a:spLocks noGrp="1"/>
+          </p:cNvSpPr>
+          <p:nvPr>
+            <p:ph type="subTitle" idx="1"/>
+          </p:nvPr>
+        </p:nvSpPr>
+        <p:spPr/>
+        <p:txBody>
+          <a:bodyPr/>
+          <a:lstStyle/>
+          <a:p>
+            <a:r>
+              <a:t>The chocolate is then heated to about 31 °C (88 °F) to eliminate any type IV crystals, leaving just type V. After this point, any excessive heating of the chocolate will destroy the temper and this process will have to be repeated.</a:t>
+            </a:r>
+          </a:p>
+        </p:txBody>
+      </p:sp>
+    </p:spTree>
+  </p:cSld>
+  <p:clrMapOvr>
+    <a:masterClrMapping/>
+  </p:clrMapOvr>
+</p:sld>
+</file>
+
+<file path=ppt/slides/slide58.xml><?xml version="1.0" encoding="utf-8"?>
+<p:sld xmlns:a="http://schemas.openxmlformats.org/drawingml/2006/main" xmlns:p="http://schemas.openxmlformats.org/presentationml/2006/main" xmlns:r="http://schemas.openxmlformats.org/officeDocument/2006/relationships">
+  <p:cSld>
+    <p:spTree>
+      <p:nvGrpSpPr>
+        <p:cNvPr id="1" name=""/>
+        <p:cNvGrpSpPr/>
+        <p:nvPr/>
+      </p:nvGrpSpPr>
+      <p:grpSpPr/>
+      <p:sp>
+        <p:nvSpPr>
+          <p:cNvPr id="2" name="Title 1"/>
+          <p:cNvSpPr>
+            <a:spLocks noGrp="1"/>
+          </p:cNvSpPr>
+          <p:nvPr>
+            <p:ph type="ctrTitle"/>
+          </p:nvPr>
+        </p:nvSpPr>
+        <p:spPr/>
+        <p:txBody>
+          <a:bodyPr/>
+          <a:lstStyle/>
+          <a:p>
+            <a:r>
+              <a:t> </a:t>
+            </a:r>
+          </a:p>
+        </p:txBody>
+      </p:sp>
+      <p:sp>
+        <p:nvSpPr>
+          <p:cNvPr id="3" name="Subtitle 2"/>
+          <p:cNvSpPr>
+            <a:spLocks noGrp="1"/>
+          </p:cNvSpPr>
+          <p:nvPr>
+            <p:ph type="subTitle" idx="1"/>
+          </p:nvPr>
+        </p:nvSpPr>
+        <p:spPr/>
+        <p:txBody>
+          <a:bodyPr/>
+          <a:lstStyle/>
+          <a:p>
+            <a:r>
+              <a:t>The widespread use of children in cocoa production is controversial, not only for the concerns about child labor and exploitation, but also because up to 12,000 of the 200,000 children working in Côte d'Ivoire, the world's biggest producer of cocoa, may be victims of trafficking or slavery.</a:t>
+            </a:r>
+          </a:p>
+        </p:txBody>
+      </p:sp>
+    </p:spTree>
+  </p:cSld>
+  <p:clrMapOvr>
+    <a:masterClrMapping/>
+  </p:clrMapOvr>
+</p:sld>
+</file>
+
+<file path=ppt/slides/slide59.xml><?xml version="1.0" encoding="utf-8"?>
+<p:sld xmlns:a="http://schemas.openxmlformats.org/drawingml/2006/main" xmlns:p="http://schemas.openxmlformats.org/presentationml/2006/main" xmlns:r="http://schemas.openxmlformats.org/officeDocument/2006/relationships">
+  <p:cSld>
+    <p:spTree>
+      <p:nvGrpSpPr>
+        <p:cNvPr id="1" name=""/>
+        <p:cNvGrpSpPr/>
+        <p:nvPr/>
+      </p:nvGrpSpPr>
+      <p:grpSpPr/>
+      <p:sp>
+        <p:nvSpPr>
+          <p:cNvPr id="2" name="Title 1"/>
+          <p:cNvSpPr>
+            <a:spLocks noGrp="1"/>
+          </p:cNvSpPr>
+          <p:nvPr>
+            <p:ph type="ctrTitle"/>
+          </p:nvPr>
+        </p:nvSpPr>
+        <p:spPr/>
+        <p:txBody>
+          <a:bodyPr/>
+          <a:lstStyle/>
+          <a:p>
+            <a:r>
+              <a:t> </a:t>
+            </a:r>
+          </a:p>
+        </p:txBody>
+      </p:sp>
+      <p:sp>
+        <p:nvSpPr>
+          <p:cNvPr id="3" name="Subtitle 2"/>
+          <p:cNvSpPr>
+            <a:spLocks noGrp="1"/>
+          </p:cNvSpPr>
+          <p:nvPr>
+            <p:ph type="subTitle" idx="1"/>
+          </p:nvPr>
+        </p:nvSpPr>
+        <p:spPr/>
+        <p:txBody>
+          <a:bodyPr/>
+          <a:lstStyle/>
+          <a:p>
+            <a:r>
+              <a:t>SAID UK states that it is these child slaves who are likely to be working in "harsh and abusive" conditions for the production of chocolate, and an increasing number of health-food and anti-slavery organisations are highlighting and campaigning against the use of trafficking in the chocolate industry.</a:t>
             </a:r>
           </a:p>
         </p:txBody>
@@ -7025,7 +8485,7 @@
           <a:lstStyle/>
           <a:p>
             <a:r>
-              <a:t>explain!</a:t>
+              <a:t> </a:t>
             </a:r>
           </a:p>
         </p:txBody>
@@ -7046,7 +8506,67 @@
           <a:lstStyle/>
           <a:p>
             <a:r>
-              <a:t>A popcorn kernel's strong hull contains the seed's hard, starchy endosperm with 14–20% moisture, which turns to steam as the kernel is heated.</a:t>
+              <a:t>They say they make diverse sorts of it, some hot, some cold, and some temperate, and put therein much of that 'chili'; yea, they make paste thereof, the which they say is good for the stomach and against the catarrh.While Columbus had taken cacao beans with him back to Spain, chocolate made no impact until Spanish friars introduced it to the Spanish court.</a:t>
+            </a:r>
+          </a:p>
+        </p:txBody>
+      </p:sp>
+    </p:spTree>
+  </p:cSld>
+  <p:clrMapOvr>
+    <a:masterClrMapping/>
+  </p:clrMapOvr>
+</p:sld>
+</file>
+
+<file path=ppt/slides/slide60.xml><?xml version="1.0" encoding="utf-8"?>
+<p:sld xmlns:a="http://schemas.openxmlformats.org/drawingml/2006/main" xmlns:p="http://schemas.openxmlformats.org/presentationml/2006/main" xmlns:r="http://schemas.openxmlformats.org/officeDocument/2006/relationships">
+  <p:cSld>
+    <p:spTree>
+      <p:nvGrpSpPr>
+        <p:cNvPr id="1" name=""/>
+        <p:cNvGrpSpPr/>
+        <p:nvPr/>
+      </p:nvGrpSpPr>
+      <p:grpSpPr/>
+      <p:sp>
+        <p:nvSpPr>
+          <p:cNvPr id="2" name="Title 1"/>
+          <p:cNvSpPr>
+            <a:spLocks noGrp="1"/>
+          </p:cNvSpPr>
+          <p:nvPr>
+            <p:ph type="ctrTitle"/>
+          </p:nvPr>
+        </p:nvSpPr>
+        <p:spPr/>
+        <p:txBody>
+          <a:bodyPr/>
+          <a:lstStyle/>
+          <a:p>
+            <a:r>
+              <a:t> </a:t>
+            </a:r>
+          </a:p>
+        </p:txBody>
+      </p:sp>
+      <p:sp>
+        <p:nvSpPr>
+          <p:cNvPr id="3" name="Subtitle 2"/>
+          <p:cNvSpPr>
+            <a:spLocks noGrp="1"/>
+          </p:cNvSpPr>
+          <p:nvPr>
+            <p:ph type="subTitle" idx="1"/>
+          </p:nvPr>
+        </p:nvSpPr>
+        <p:spPr/>
+        <p:txBody>
+          <a:bodyPr/>
+          <a:lstStyle/>
+          <a:p>
+            <a:r>
+              <a:t>Despite these efforts, goals to reduce child labor in West Africa by 70% before 2020 are frustrated by persistent poverty, absence of schools, expansion of cocoa farmland, and increased demand for cocoa.</a:t>
             </a:r>
           </a:p>
         </p:txBody>
@@ -7085,7 +8605,7 @@
           <a:lstStyle/>
           <a:p>
             <a:r>
-              <a:t>explain!</a:t>
+              <a:t> </a:t>
             </a:r>
           </a:p>
         </p:txBody>
@@ -7106,7 +8626,7 @@
           <a:lstStyle/>
           <a:p>
             <a:r>
-              <a:t>Popcorn is an ingredient in Cracker Jack, and in the early years of the product, it was popped by hand.</a:t>
+              <a:t>Unfortunately, these spices had the tendency to unsettle the European constitution; the Encyclopédie states, "The pleasant scent and sublime taste it imparts to chocolate have made it highly recommended; but a long experience having shown that it could potentially upset one's stomach", which is why chocolate without vanilla was sometimes referred to as "healthy chocolate".</a:t>
             </a:r>
           </a:p>
         </p:txBody>
@@ -7145,7 +8665,7 @@
           <a:lstStyle/>
           <a:p>
             <a:r>
-              <a:t>explain!</a:t>
+              <a:t> </a:t>
             </a:r>
           </a:p>
         </p:txBody>
@@ -7166,7 +8686,7 @@
           <a:lstStyle/>
           <a:p>
             <a:r>
-              <a:t>Cretors, a Chicago candy store owner, created a number of steam-powered machines for roasting nuts and applied the technology to the corn kernels.</a:t>
+              <a:t>The new craze for chocolate brought with it a thriving slave market, as between the early 1600s and late 1800s, the laborious and slow processing of the cacao bean was manual.</a:t>
             </a:r>
           </a:p>
         </p:txBody>
@@ -7205,7 +8725,7 @@
           <a:lstStyle/>
           <a:p>
             <a:r>
-              <a:t>explain!</a:t>
+              <a:t> </a:t>
             </a:r>
           </a:p>
         </p:txBody>
@@ -7226,7 +8746,7 @@
           <a:lstStyle/>
           <a:p>
             <a:r>
-              <a:t>By the turn of the century, Cretors had created and deployed street carts equipped with steam-powered popcorn makers.</a:t>
+              <a:t>Known as "Dutch cocoa", this machine-pressed chocolate was instrumental in the transformation of chocolate to its solid form when, in 1847, English chocolatier Joseph Fry discovered a way to make chocolate moldable when he mixed the ingredients of cocoa powder and sugar with melted cocoa butter.</a:t>
             </a:r>
           </a:p>
         </p:txBody>
